--- a/2.项目PPT/第九周进度.pptx
+++ b/2.项目PPT/第九周进度.pptx
@@ -107,6 +107,11 @@
       </a:defRPr>
     </a:lvl9pPr>
   </p:defaultTextStyle>
+  <p:extLst>
+    <p:ext uri="{EFAFB233-063F-42B5-8137-9DF3F51BA10A}">
+      <p15:sldGuideLst xmlns:p15="http://schemas.microsoft.com/office/powerpoint/2012/main"/>
+    </p:ext>
+  </p:extLst>
 </p:presentation>
 </file>
 
@@ -241,7 +246,7 @@
           <a:p>
             <a:fld id="{CE16419F-29E9-7844-BD92-29D507AAA621}" type="datetimeFigureOut">
               <a:rPr kumimoji="1" lang="zh-CN" altLang="en-US" smtClean="0"/>
-              <a:t>16/4/28</a:t>
+              <a:t>16/4/29</a:t>
             </a:fld>
             <a:endParaRPr kumimoji="1" lang="zh-CN" altLang="en-US"/>
           </a:p>
@@ -411,7 +416,7 @@
           <a:p>
             <a:fld id="{CE16419F-29E9-7844-BD92-29D507AAA621}" type="datetimeFigureOut">
               <a:rPr kumimoji="1" lang="zh-CN" altLang="en-US" smtClean="0"/>
-              <a:t>16/4/28</a:t>
+              <a:t>16/4/29</a:t>
             </a:fld>
             <a:endParaRPr kumimoji="1" lang="zh-CN" altLang="en-US"/>
           </a:p>
@@ -591,7 +596,7 @@
           <a:p>
             <a:fld id="{CE16419F-29E9-7844-BD92-29D507AAA621}" type="datetimeFigureOut">
               <a:rPr kumimoji="1" lang="zh-CN" altLang="en-US" smtClean="0"/>
-              <a:t>16/4/28</a:t>
+              <a:t>16/4/29</a:t>
             </a:fld>
             <a:endParaRPr kumimoji="1" lang="zh-CN" altLang="en-US"/>
           </a:p>
@@ -761,7 +766,7 @@
           <a:p>
             <a:fld id="{CE16419F-29E9-7844-BD92-29D507AAA621}" type="datetimeFigureOut">
               <a:rPr kumimoji="1" lang="zh-CN" altLang="en-US" smtClean="0"/>
-              <a:t>16/4/28</a:t>
+              <a:t>16/4/29</a:t>
             </a:fld>
             <a:endParaRPr kumimoji="1" lang="zh-CN" altLang="en-US"/>
           </a:p>
@@ -1005,7 +1010,7 @@
           <a:p>
             <a:fld id="{CE16419F-29E9-7844-BD92-29D507AAA621}" type="datetimeFigureOut">
               <a:rPr kumimoji="1" lang="zh-CN" altLang="en-US" smtClean="0"/>
-              <a:t>16/4/28</a:t>
+              <a:t>16/4/29</a:t>
             </a:fld>
             <a:endParaRPr kumimoji="1" lang="zh-CN" altLang="en-US"/>
           </a:p>
@@ -1237,7 +1242,7 @@
           <a:p>
             <a:fld id="{CE16419F-29E9-7844-BD92-29D507AAA621}" type="datetimeFigureOut">
               <a:rPr kumimoji="1" lang="zh-CN" altLang="en-US" smtClean="0"/>
-              <a:t>16/4/28</a:t>
+              <a:t>16/4/29</a:t>
             </a:fld>
             <a:endParaRPr kumimoji="1" lang="zh-CN" altLang="en-US"/>
           </a:p>
@@ -1604,7 +1609,7 @@
           <a:p>
             <a:fld id="{CE16419F-29E9-7844-BD92-29D507AAA621}" type="datetimeFigureOut">
               <a:rPr kumimoji="1" lang="zh-CN" altLang="en-US" smtClean="0"/>
-              <a:t>16/4/28</a:t>
+              <a:t>16/4/29</a:t>
             </a:fld>
             <a:endParaRPr kumimoji="1" lang="zh-CN" altLang="en-US"/>
           </a:p>
@@ -1722,7 +1727,7 @@
           <a:p>
             <a:fld id="{CE16419F-29E9-7844-BD92-29D507AAA621}" type="datetimeFigureOut">
               <a:rPr kumimoji="1" lang="zh-CN" altLang="en-US" smtClean="0"/>
-              <a:t>16/4/28</a:t>
+              <a:t>16/4/29</a:t>
             </a:fld>
             <a:endParaRPr kumimoji="1" lang="zh-CN" altLang="en-US"/>
           </a:p>
@@ -1817,7 +1822,7 @@
           <a:p>
             <a:fld id="{CE16419F-29E9-7844-BD92-29D507AAA621}" type="datetimeFigureOut">
               <a:rPr kumimoji="1" lang="zh-CN" altLang="en-US" smtClean="0"/>
-              <a:t>16/4/28</a:t>
+              <a:t>16/4/29</a:t>
             </a:fld>
             <a:endParaRPr kumimoji="1" lang="zh-CN" altLang="en-US"/>
           </a:p>
@@ -2094,7 +2099,7 @@
           <a:p>
             <a:fld id="{CE16419F-29E9-7844-BD92-29D507AAA621}" type="datetimeFigureOut">
               <a:rPr kumimoji="1" lang="zh-CN" altLang="en-US" smtClean="0"/>
-              <a:t>16/4/28</a:t>
+              <a:t>16/4/29</a:t>
             </a:fld>
             <a:endParaRPr kumimoji="1" lang="zh-CN" altLang="en-US"/>
           </a:p>
@@ -2351,7 +2356,7 @@
           <a:p>
             <a:fld id="{CE16419F-29E9-7844-BD92-29D507AAA621}" type="datetimeFigureOut">
               <a:rPr kumimoji="1" lang="zh-CN" altLang="en-US" smtClean="0"/>
-              <a:t>16/4/28</a:t>
+              <a:t>16/4/29</a:t>
             </a:fld>
             <a:endParaRPr kumimoji="1" lang="zh-CN" altLang="en-US"/>
           </a:p>
@@ -2564,7 +2569,7 @@
           <a:p>
             <a:fld id="{CE16419F-29E9-7844-BD92-29D507AAA621}" type="datetimeFigureOut">
               <a:rPr kumimoji="1" lang="zh-CN" altLang="en-US" smtClean="0"/>
-              <a:t>16/4/28</a:t>
+              <a:t>16/4/29</a:t>
             </a:fld>
             <a:endParaRPr kumimoji="1" lang="zh-CN" altLang="en-US"/>
           </a:p>
@@ -4163,16 +4168,26 @@
           <a:lstStyle/>
           <a:p>
             <a:r>
+              <a:rPr kumimoji="1" lang="zh-CN" altLang="en-US" dirty="0" smtClean="0"/>
+              <a:t>已完成：状态信息获取</a:t>
+            </a:r>
+          </a:p>
+          <a:p>
+            <a:r>
               <a:rPr kumimoji="1" lang="en-US" altLang="zh-CN" dirty="0" smtClean="0"/>
-              <a:t>(</a:t>
-            </a:r>
-            <a:r>
-              <a:rPr kumimoji="1" lang="zh-CN" altLang="en-US" smtClean="0"/>
-              <a:t>此处应有界面截图</a:t>
-            </a:r>
-            <a:r>
-              <a:rPr kumimoji="1" lang="en-US" altLang="zh-CN" smtClean="0"/>
-              <a:t>)</a:t>
+              <a:t>To</a:t>
+            </a:r>
+            <a:r>
+              <a:rPr kumimoji="1" lang="zh-CN" altLang="en-US" dirty="0" smtClean="0"/>
+              <a:t> </a:t>
+            </a:r>
+            <a:r>
+              <a:rPr kumimoji="1" lang="en-US" altLang="zh-CN" dirty="0" smtClean="0"/>
+              <a:t>Do</a:t>
+            </a:r>
+            <a:r>
+              <a:rPr kumimoji="1" lang="zh-CN" altLang="en-US" dirty="0" smtClean="0"/>
+              <a:t>：界面展示</a:t>
             </a:r>
             <a:endParaRPr kumimoji="1" lang="zh-CN" altLang="en-US" dirty="0"/>
           </a:p>

--- a/2.项目PPT/第九周进度.pptx
+++ b/2.项目PPT/第九周进度.pptx
@@ -6,9 +6,13 @@
   </p:sldMasterIdLst>
   <p:sldIdLst>
     <p:sldId id="256" r:id="rId2"/>
-    <p:sldId id="258" r:id="rId3"/>
-    <p:sldId id="260" r:id="rId4"/>
-    <p:sldId id="259" r:id="rId5"/>
+    <p:sldId id="264" r:id="rId3"/>
+    <p:sldId id="261" r:id="rId4"/>
+    <p:sldId id="262" r:id="rId5"/>
+    <p:sldId id="258" r:id="rId6"/>
+    <p:sldId id="260" r:id="rId7"/>
+    <p:sldId id="259" r:id="rId8"/>
+    <p:sldId id="263" r:id="rId9"/>
   </p:sldIdLst>
   <p:sldSz cx="9144000" cy="6858000" type="screen4x3"/>
   <p:notesSz cx="6858000" cy="9144000"/>
@@ -109,7 +113,7 @@
   </p:defaultTextStyle>
   <p:extLst>
     <p:ext uri="{EFAFB233-063F-42B5-8137-9DF3F51BA10A}">
-      <p15:sldGuideLst xmlns:p15="http://schemas.microsoft.com/office/powerpoint/2012/main"/>
+      <p15:sldGuideLst xmlns:p15="http://schemas.microsoft.com/office/powerpoint/2012/main" xmlns=""/>
     </p:ext>
   </p:extLst>
 </p:presentation>
@@ -246,7 +250,7 @@
           <a:p>
             <a:fld id="{CE16419F-29E9-7844-BD92-29D507AAA621}" type="datetimeFigureOut">
               <a:rPr kumimoji="1" lang="zh-CN" altLang="en-US" smtClean="0"/>
-              <a:t>16/4/29</a:t>
+              <a:t>2016/4/29</a:t>
             </a:fld>
             <a:endParaRPr kumimoji="1" lang="zh-CN" altLang="en-US"/>
           </a:p>
@@ -304,6 +308,9 @@
   <p:clrMapOvr>
     <a:masterClrMapping/>
   </p:clrMapOvr>
+  <p:transition spd="slow">
+    <p:push dir="u"/>
+  </p:transition>
 </p:sldLayout>
 </file>
 
@@ -416,7 +423,7 @@
           <a:p>
             <a:fld id="{CE16419F-29E9-7844-BD92-29D507AAA621}" type="datetimeFigureOut">
               <a:rPr kumimoji="1" lang="zh-CN" altLang="en-US" smtClean="0"/>
-              <a:t>16/4/29</a:t>
+              <a:t>2016/4/29</a:t>
             </a:fld>
             <a:endParaRPr kumimoji="1" lang="zh-CN" altLang="en-US"/>
           </a:p>
@@ -474,6 +481,9 @@
   <p:clrMapOvr>
     <a:masterClrMapping/>
   </p:clrMapOvr>
+  <p:transition spd="slow">
+    <p:push dir="u"/>
+  </p:transition>
 </p:sldLayout>
 </file>
 
@@ -596,7 +606,7 @@
           <a:p>
             <a:fld id="{CE16419F-29E9-7844-BD92-29D507AAA621}" type="datetimeFigureOut">
               <a:rPr kumimoji="1" lang="zh-CN" altLang="en-US" smtClean="0"/>
-              <a:t>16/4/29</a:t>
+              <a:t>2016/4/29</a:t>
             </a:fld>
             <a:endParaRPr kumimoji="1" lang="zh-CN" altLang="en-US"/>
           </a:p>
@@ -654,6 +664,9 @@
   <p:clrMapOvr>
     <a:masterClrMapping/>
   </p:clrMapOvr>
+  <p:transition spd="slow">
+    <p:push dir="u"/>
+  </p:transition>
 </p:sldLayout>
 </file>
 
@@ -766,7 +779,7 @@
           <a:p>
             <a:fld id="{CE16419F-29E9-7844-BD92-29D507AAA621}" type="datetimeFigureOut">
               <a:rPr kumimoji="1" lang="zh-CN" altLang="en-US" smtClean="0"/>
-              <a:t>16/4/29</a:t>
+              <a:t>2016/4/29</a:t>
             </a:fld>
             <a:endParaRPr kumimoji="1" lang="zh-CN" altLang="en-US"/>
           </a:p>
@@ -824,6 +837,9 @@
   <p:clrMapOvr>
     <a:masterClrMapping/>
   </p:clrMapOvr>
+  <p:transition spd="slow">
+    <p:push dir="u"/>
+  </p:transition>
 </p:sldLayout>
 </file>
 
@@ -1010,7 +1026,7 @@
           <a:p>
             <a:fld id="{CE16419F-29E9-7844-BD92-29D507AAA621}" type="datetimeFigureOut">
               <a:rPr kumimoji="1" lang="zh-CN" altLang="en-US" smtClean="0"/>
-              <a:t>16/4/29</a:t>
+              <a:t>2016/4/29</a:t>
             </a:fld>
             <a:endParaRPr kumimoji="1" lang="zh-CN" altLang="en-US"/>
           </a:p>
@@ -1068,6 +1084,9 @@
   <p:clrMapOvr>
     <a:masterClrMapping/>
   </p:clrMapOvr>
+  <p:transition spd="slow">
+    <p:push dir="u"/>
+  </p:transition>
 </p:sldLayout>
 </file>
 
@@ -1242,7 +1261,7 @@
           <a:p>
             <a:fld id="{CE16419F-29E9-7844-BD92-29D507AAA621}" type="datetimeFigureOut">
               <a:rPr kumimoji="1" lang="zh-CN" altLang="en-US" smtClean="0"/>
-              <a:t>16/4/29</a:t>
+              <a:t>2016/4/29</a:t>
             </a:fld>
             <a:endParaRPr kumimoji="1" lang="zh-CN" altLang="en-US"/>
           </a:p>
@@ -1300,6 +1319,9 @@
   <p:clrMapOvr>
     <a:masterClrMapping/>
   </p:clrMapOvr>
+  <p:transition spd="slow">
+    <p:push dir="u"/>
+  </p:transition>
 </p:sldLayout>
 </file>
 
@@ -1609,7 +1631,7 @@
           <a:p>
             <a:fld id="{CE16419F-29E9-7844-BD92-29D507AAA621}" type="datetimeFigureOut">
               <a:rPr kumimoji="1" lang="zh-CN" altLang="en-US" smtClean="0"/>
-              <a:t>16/4/29</a:t>
+              <a:t>2016/4/29</a:t>
             </a:fld>
             <a:endParaRPr kumimoji="1" lang="zh-CN" altLang="en-US"/>
           </a:p>
@@ -1667,6 +1689,9 @@
   <p:clrMapOvr>
     <a:masterClrMapping/>
   </p:clrMapOvr>
+  <p:transition spd="slow">
+    <p:push dir="u"/>
+  </p:transition>
 </p:sldLayout>
 </file>
 
@@ -1727,7 +1752,7 @@
           <a:p>
             <a:fld id="{CE16419F-29E9-7844-BD92-29D507AAA621}" type="datetimeFigureOut">
               <a:rPr kumimoji="1" lang="zh-CN" altLang="en-US" smtClean="0"/>
-              <a:t>16/4/29</a:t>
+              <a:t>2016/4/29</a:t>
             </a:fld>
             <a:endParaRPr kumimoji="1" lang="zh-CN" altLang="en-US"/>
           </a:p>
@@ -1785,6 +1810,9 @@
   <p:clrMapOvr>
     <a:masterClrMapping/>
   </p:clrMapOvr>
+  <p:transition spd="slow">
+    <p:push dir="u"/>
+  </p:transition>
 </p:sldLayout>
 </file>
 
@@ -1822,7 +1850,7 @@
           <a:p>
             <a:fld id="{CE16419F-29E9-7844-BD92-29D507AAA621}" type="datetimeFigureOut">
               <a:rPr kumimoji="1" lang="zh-CN" altLang="en-US" smtClean="0"/>
-              <a:t>16/4/29</a:t>
+              <a:t>2016/4/29</a:t>
             </a:fld>
             <a:endParaRPr kumimoji="1" lang="zh-CN" altLang="en-US"/>
           </a:p>
@@ -1880,6 +1908,9 @@
   <p:clrMapOvr>
     <a:masterClrMapping/>
   </p:clrMapOvr>
+  <p:transition spd="slow">
+    <p:push dir="u"/>
+  </p:transition>
 </p:sldLayout>
 </file>
 
@@ -2099,7 +2130,7 @@
           <a:p>
             <a:fld id="{CE16419F-29E9-7844-BD92-29D507AAA621}" type="datetimeFigureOut">
               <a:rPr kumimoji="1" lang="zh-CN" altLang="en-US" smtClean="0"/>
-              <a:t>16/4/29</a:t>
+              <a:t>2016/4/29</a:t>
             </a:fld>
             <a:endParaRPr kumimoji="1" lang="zh-CN" altLang="en-US"/>
           </a:p>
@@ -2157,6 +2188,9 @@
   <p:clrMapOvr>
     <a:masterClrMapping/>
   </p:clrMapOvr>
+  <p:transition spd="slow">
+    <p:push dir="u"/>
+  </p:transition>
 </p:sldLayout>
 </file>
 
@@ -2356,7 +2390,7 @@
           <a:p>
             <a:fld id="{CE16419F-29E9-7844-BD92-29D507AAA621}" type="datetimeFigureOut">
               <a:rPr kumimoji="1" lang="zh-CN" altLang="en-US" smtClean="0"/>
-              <a:t>16/4/29</a:t>
+              <a:t>2016/4/29</a:t>
             </a:fld>
             <a:endParaRPr kumimoji="1" lang="zh-CN" altLang="en-US"/>
           </a:p>
@@ -2414,6 +2448,9 @@
   <p:clrMapOvr>
     <a:masterClrMapping/>
   </p:clrMapOvr>
+  <p:transition spd="slow">
+    <p:push dir="u"/>
+  </p:transition>
 </p:sldLayout>
 </file>
 
@@ -2569,7 +2606,7 @@
           <a:p>
             <a:fld id="{CE16419F-29E9-7844-BD92-29D507AAA621}" type="datetimeFigureOut">
               <a:rPr kumimoji="1" lang="zh-CN" altLang="en-US" smtClean="0"/>
-              <a:t>16/4/29</a:t>
+              <a:t>2016/4/29</a:t>
             </a:fld>
             <a:endParaRPr kumimoji="1" lang="zh-CN" altLang="en-US"/>
           </a:p>
@@ -2674,6 +2711,9 @@
     <p:sldLayoutId id="2147483670" r:id="rId10"/>
     <p:sldLayoutId id="2147483671" r:id="rId11"/>
   </p:sldLayoutIdLst>
+  <p:transition spd="slow">
+    <p:push dir="u"/>
+  </p:transition>
   <p:txStyles>
     <p:titleStyle>
       <a:lvl1pPr algn="l" defTabSz="914400" rtl="0" eaLnBrk="1" latinLnBrk="0" hangingPunct="1">
@@ -3277,6 +3317,16 @@
   <p:clrMapOvr>
     <a:masterClrMapping/>
   </p:clrMapOvr>
+  <p:transition spd="slow">
+    <p:push dir="u"/>
+  </p:transition>
+  <p:timing>
+    <p:tnLst>
+      <p:par>
+        <p:cTn id="1" dur="indefinite" restart="never" nodeType="tmRoot"/>
+      </p:par>
+    </p:tnLst>
+  </p:timing>
 </p:sld>
 </file>
 
@@ -3313,34 +3363,10 @@
           <a:lstStyle/>
           <a:p>
             <a:r>
-              <a:rPr kumimoji="1" lang="en-US" altLang="zh-CN" dirty="0" err="1"/>
-              <a:t>Nginx</a:t>
-            </a:r>
-            <a:r>
-              <a:rPr kumimoji="1" lang="zh-CN" altLang="en-US" dirty="0"/>
-              <a:t>状态</a:t>
-            </a:r>
-            <a:r>
-              <a:rPr kumimoji="1" lang="zh-CN" altLang="en-US" dirty="0" smtClean="0"/>
-              <a:t>监控</a:t>
-            </a:r>
-            <a:r>
-              <a:rPr kumimoji="1" lang="en-US" altLang="zh-CN" dirty="0" smtClean="0"/>
-              <a:t>-</a:t>
-            </a:r>
-            <a:r>
               <a:rPr lang="zh-CN" altLang="en-US" dirty="0" smtClean="0"/>
-              <a:t>客户</a:t>
-            </a:r>
-            <a:r>
-              <a:rPr lang="zh-CN" altLang="en-US" dirty="0"/>
-              <a:t>端</a:t>
-            </a:r>
-            <a:r>
-              <a:rPr lang="zh-CN" altLang="en-US" dirty="0" smtClean="0"/>
-              <a:t>连接过程</a:t>
-            </a:r>
-            <a:endParaRPr kumimoji="1" lang="zh-CN" altLang="en-US" dirty="0"/>
+              <a:t>进展概览</a:t>
+            </a:r>
+            <a:endParaRPr lang="zh-CN" altLang="en-US" dirty="0"/>
           </a:p>
         </p:txBody>
       </p:sp>
@@ -3359,10 +3385,2197 @@
           <a:bodyPr/>
           <a:lstStyle/>
           <a:p>
-            <a:endParaRPr kumimoji="1" lang="zh-CN" altLang="en-US"/>
-          </a:p>
-        </p:txBody>
-      </p:sp>
+            <a:r>
+              <a:rPr lang="en-US" altLang="zh-CN" dirty="0" err="1" smtClean="0"/>
+              <a:t>nginx.conf</a:t>
+            </a:r>
+            <a:r>
+              <a:rPr lang="zh-CN" altLang="en-US" dirty="0" smtClean="0"/>
+              <a:t>文件读取功能重新设计</a:t>
+            </a:r>
+            <a:endParaRPr lang="en-US" altLang="zh-CN" dirty="0" smtClean="0"/>
+          </a:p>
+          <a:p>
+            <a:r>
+              <a:rPr lang="zh-CN" altLang="en-US" dirty="0" smtClean="0"/>
+              <a:t>监控</a:t>
+            </a:r>
+            <a:r>
+              <a:rPr lang="en-US" altLang="zh-CN" dirty="0" err="1" smtClean="0"/>
+              <a:t>nginx</a:t>
+            </a:r>
+            <a:r>
+              <a:rPr lang="zh-CN" altLang="en-US" dirty="0" smtClean="0"/>
+              <a:t>运行状态模块实现</a:t>
+            </a:r>
+            <a:endParaRPr lang="en-US" altLang="zh-CN" dirty="0" smtClean="0"/>
+          </a:p>
+          <a:p>
+            <a:r>
+              <a:rPr lang="en-US" altLang="zh-CN" dirty="0" smtClean="0"/>
+              <a:t>UI</a:t>
+            </a:r>
+            <a:r>
+              <a:rPr lang="zh-CN" altLang="en-US" dirty="0" smtClean="0"/>
+              <a:t>模块整合完成，产出了一个简单可用的版本</a:t>
+            </a:r>
+            <a:endParaRPr lang="en-US" altLang="zh-CN" dirty="0" smtClean="0"/>
+          </a:p>
+          <a:p>
+            <a:r>
+              <a:rPr lang="zh-CN" altLang="en-US"/>
+              <a:t>跨</a:t>
+            </a:r>
+            <a:r>
+              <a:rPr lang="zh-CN" altLang="en-US" smtClean="0"/>
+              <a:t>平台功能测试与设计</a:t>
+            </a:r>
+            <a:endParaRPr lang="en-US" altLang="zh-CN" dirty="0" smtClean="0"/>
+          </a:p>
+          <a:p>
+            <a:endParaRPr lang="zh-CN" altLang="en-US" dirty="0"/>
+          </a:p>
+        </p:txBody>
+      </p:sp>
+    </p:spTree>
+    <p:extLst>
+      <p:ext uri="{BB962C8B-B14F-4D97-AF65-F5344CB8AC3E}">
+        <p14:creationId xmlns:p14="http://schemas.microsoft.com/office/powerpoint/2010/main" val="1691188256"/>
+      </p:ext>
+    </p:extLst>
+  </p:cSld>
+  <p:clrMapOvr>
+    <a:masterClrMapping/>
+  </p:clrMapOvr>
+  <p:transition spd="slow">
+    <p:push dir="u"/>
+  </p:transition>
+  <p:timing>
+    <p:tnLst>
+      <p:par>
+        <p:cTn id="1" dur="indefinite" restart="never" nodeType="tmRoot">
+          <p:childTnLst>
+            <p:seq concurrent="1" nextAc="seek">
+              <p:cTn id="2" dur="indefinite" nodeType="mainSeq">
+                <p:childTnLst>
+                  <p:par>
+                    <p:cTn id="3" fill="hold">
+                      <p:stCondLst>
+                        <p:cond delay="indefinite"/>
+                      </p:stCondLst>
+                      <p:childTnLst>
+                        <p:par>
+                          <p:cTn id="4" fill="hold">
+                            <p:stCondLst>
+                              <p:cond delay="0"/>
+                            </p:stCondLst>
+                            <p:childTnLst>
+                              <p:par>
+                                <p:cTn id="5" presetID="10" presetClass="entr" presetSubtype="0" fill="hold" grpId="0" nodeType="clickEffect">
+                                  <p:stCondLst>
+                                    <p:cond delay="0"/>
+                                  </p:stCondLst>
+                                  <p:childTnLst>
+                                    <p:set>
+                                      <p:cBhvr>
+                                        <p:cTn id="6" dur="1" fill="hold">
+                                          <p:stCondLst>
+                                            <p:cond delay="0"/>
+                                          </p:stCondLst>
+                                        </p:cTn>
+                                        <p:tgtEl>
+                                          <p:spTgt spid="3">
+                                            <p:txEl>
+                                              <p:pRg st="0" end="0"/>
+                                            </p:txEl>
+                                          </p:spTgt>
+                                        </p:tgtEl>
+                                        <p:attrNameLst>
+                                          <p:attrName>style.visibility</p:attrName>
+                                        </p:attrNameLst>
+                                      </p:cBhvr>
+                                      <p:to>
+                                        <p:strVal val="visible"/>
+                                      </p:to>
+                                    </p:set>
+                                    <p:animEffect transition="in" filter="fade">
+                                      <p:cBhvr>
+                                        <p:cTn id="7" dur="500"/>
+                                        <p:tgtEl>
+                                          <p:spTgt spid="3">
+                                            <p:txEl>
+                                              <p:pRg st="0" end="0"/>
+                                            </p:txEl>
+                                          </p:spTgt>
+                                        </p:tgtEl>
+                                      </p:cBhvr>
+                                    </p:animEffect>
+                                  </p:childTnLst>
+                                </p:cTn>
+                              </p:par>
+                            </p:childTnLst>
+                          </p:cTn>
+                        </p:par>
+                      </p:childTnLst>
+                    </p:cTn>
+                  </p:par>
+                  <p:par>
+                    <p:cTn id="8" fill="hold">
+                      <p:stCondLst>
+                        <p:cond delay="indefinite"/>
+                      </p:stCondLst>
+                      <p:childTnLst>
+                        <p:par>
+                          <p:cTn id="9" fill="hold">
+                            <p:stCondLst>
+                              <p:cond delay="0"/>
+                            </p:stCondLst>
+                            <p:childTnLst>
+                              <p:par>
+                                <p:cTn id="10" presetID="10" presetClass="entr" presetSubtype="0" fill="hold" grpId="0" nodeType="clickEffect">
+                                  <p:stCondLst>
+                                    <p:cond delay="0"/>
+                                  </p:stCondLst>
+                                  <p:childTnLst>
+                                    <p:set>
+                                      <p:cBhvr>
+                                        <p:cTn id="11" dur="1" fill="hold">
+                                          <p:stCondLst>
+                                            <p:cond delay="0"/>
+                                          </p:stCondLst>
+                                        </p:cTn>
+                                        <p:tgtEl>
+                                          <p:spTgt spid="3">
+                                            <p:txEl>
+                                              <p:pRg st="1" end="1"/>
+                                            </p:txEl>
+                                          </p:spTgt>
+                                        </p:tgtEl>
+                                        <p:attrNameLst>
+                                          <p:attrName>style.visibility</p:attrName>
+                                        </p:attrNameLst>
+                                      </p:cBhvr>
+                                      <p:to>
+                                        <p:strVal val="visible"/>
+                                      </p:to>
+                                    </p:set>
+                                    <p:animEffect transition="in" filter="fade">
+                                      <p:cBhvr>
+                                        <p:cTn id="12" dur="500"/>
+                                        <p:tgtEl>
+                                          <p:spTgt spid="3">
+                                            <p:txEl>
+                                              <p:pRg st="1" end="1"/>
+                                            </p:txEl>
+                                          </p:spTgt>
+                                        </p:tgtEl>
+                                      </p:cBhvr>
+                                    </p:animEffect>
+                                  </p:childTnLst>
+                                </p:cTn>
+                              </p:par>
+                            </p:childTnLst>
+                          </p:cTn>
+                        </p:par>
+                      </p:childTnLst>
+                    </p:cTn>
+                  </p:par>
+                  <p:par>
+                    <p:cTn id="13" fill="hold">
+                      <p:stCondLst>
+                        <p:cond delay="indefinite"/>
+                      </p:stCondLst>
+                      <p:childTnLst>
+                        <p:par>
+                          <p:cTn id="14" fill="hold">
+                            <p:stCondLst>
+                              <p:cond delay="0"/>
+                            </p:stCondLst>
+                            <p:childTnLst>
+                              <p:par>
+                                <p:cTn id="15" presetID="10" presetClass="entr" presetSubtype="0" fill="hold" grpId="0" nodeType="clickEffect">
+                                  <p:stCondLst>
+                                    <p:cond delay="0"/>
+                                  </p:stCondLst>
+                                  <p:childTnLst>
+                                    <p:set>
+                                      <p:cBhvr>
+                                        <p:cTn id="16" dur="1" fill="hold">
+                                          <p:stCondLst>
+                                            <p:cond delay="0"/>
+                                          </p:stCondLst>
+                                        </p:cTn>
+                                        <p:tgtEl>
+                                          <p:spTgt spid="3">
+                                            <p:txEl>
+                                              <p:pRg st="2" end="2"/>
+                                            </p:txEl>
+                                          </p:spTgt>
+                                        </p:tgtEl>
+                                        <p:attrNameLst>
+                                          <p:attrName>style.visibility</p:attrName>
+                                        </p:attrNameLst>
+                                      </p:cBhvr>
+                                      <p:to>
+                                        <p:strVal val="visible"/>
+                                      </p:to>
+                                    </p:set>
+                                    <p:animEffect transition="in" filter="fade">
+                                      <p:cBhvr>
+                                        <p:cTn id="17" dur="500"/>
+                                        <p:tgtEl>
+                                          <p:spTgt spid="3">
+                                            <p:txEl>
+                                              <p:pRg st="2" end="2"/>
+                                            </p:txEl>
+                                          </p:spTgt>
+                                        </p:tgtEl>
+                                      </p:cBhvr>
+                                    </p:animEffect>
+                                  </p:childTnLst>
+                                </p:cTn>
+                              </p:par>
+                            </p:childTnLst>
+                          </p:cTn>
+                        </p:par>
+                      </p:childTnLst>
+                    </p:cTn>
+                  </p:par>
+                  <p:par>
+                    <p:cTn id="18" fill="hold">
+                      <p:stCondLst>
+                        <p:cond delay="indefinite"/>
+                      </p:stCondLst>
+                      <p:childTnLst>
+                        <p:par>
+                          <p:cTn id="19" fill="hold">
+                            <p:stCondLst>
+                              <p:cond delay="0"/>
+                            </p:stCondLst>
+                            <p:childTnLst>
+                              <p:par>
+                                <p:cTn id="20" presetID="10" presetClass="entr" presetSubtype="0" fill="hold" grpId="0" nodeType="clickEffect">
+                                  <p:stCondLst>
+                                    <p:cond delay="0"/>
+                                  </p:stCondLst>
+                                  <p:childTnLst>
+                                    <p:set>
+                                      <p:cBhvr>
+                                        <p:cTn id="21" dur="1" fill="hold">
+                                          <p:stCondLst>
+                                            <p:cond delay="0"/>
+                                          </p:stCondLst>
+                                        </p:cTn>
+                                        <p:tgtEl>
+                                          <p:spTgt spid="3">
+                                            <p:txEl>
+                                              <p:pRg st="3" end="3"/>
+                                            </p:txEl>
+                                          </p:spTgt>
+                                        </p:tgtEl>
+                                        <p:attrNameLst>
+                                          <p:attrName>style.visibility</p:attrName>
+                                        </p:attrNameLst>
+                                      </p:cBhvr>
+                                      <p:to>
+                                        <p:strVal val="visible"/>
+                                      </p:to>
+                                    </p:set>
+                                    <p:animEffect transition="in" filter="fade">
+                                      <p:cBhvr>
+                                        <p:cTn id="22" dur="500"/>
+                                        <p:tgtEl>
+                                          <p:spTgt spid="3">
+                                            <p:txEl>
+                                              <p:pRg st="3" end="3"/>
+                                            </p:txEl>
+                                          </p:spTgt>
+                                        </p:tgtEl>
+                                      </p:cBhvr>
+                                    </p:animEffect>
+                                  </p:childTnLst>
+                                </p:cTn>
+                              </p:par>
+                            </p:childTnLst>
+                          </p:cTn>
+                        </p:par>
+                      </p:childTnLst>
+                    </p:cTn>
+                  </p:par>
+                </p:childTnLst>
+              </p:cTn>
+              <p:prevCondLst>
+                <p:cond evt="onPrev" delay="0">
+                  <p:tgtEl>
+                    <p:sldTgt/>
+                  </p:tgtEl>
+                </p:cond>
+              </p:prevCondLst>
+              <p:nextCondLst>
+                <p:cond evt="onNext" delay="0">
+                  <p:tgtEl>
+                    <p:sldTgt/>
+                  </p:tgtEl>
+                </p:cond>
+              </p:nextCondLst>
+            </p:seq>
+          </p:childTnLst>
+        </p:cTn>
+      </p:par>
+    </p:tnLst>
+    <p:bldLst>
+      <p:bldP spid="3" grpId="0" build="p"/>
+    </p:bldLst>
+  </p:timing>
+</p:sld>
+</file>
+
+<file path=ppt/slides/slide3.xml><?xml version="1.0" encoding="utf-8"?>
+<p:sld xmlns:a="http://schemas.openxmlformats.org/drawingml/2006/main" xmlns:r="http://schemas.openxmlformats.org/officeDocument/2006/relationships" xmlns:p="http://schemas.openxmlformats.org/presentationml/2006/main">
+  <p:cSld>
+    <p:spTree>
+      <p:nvGrpSpPr>
+        <p:cNvPr id="1" name=""/>
+        <p:cNvGrpSpPr/>
+        <p:nvPr/>
+      </p:nvGrpSpPr>
+      <p:grpSpPr>
+        <a:xfrm>
+          <a:off x="0" y="0"/>
+          <a:ext cx="0" cy="0"/>
+          <a:chOff x="0" y="0"/>
+          <a:chExt cx="0" cy="0"/>
+        </a:xfrm>
+      </p:grpSpPr>
+      <p:sp>
+        <p:nvSpPr>
+          <p:cNvPr id="2" name="标题 1"/>
+          <p:cNvSpPr>
+            <a:spLocks noGrp="1"/>
+          </p:cNvSpPr>
+          <p:nvPr>
+            <p:ph type="title"/>
+          </p:nvPr>
+        </p:nvSpPr>
+        <p:spPr/>
+        <p:txBody>
+          <a:bodyPr/>
+          <a:lstStyle/>
+          <a:p>
+            <a:r>
+              <a:rPr lang="en-US" altLang="zh-CN" dirty="0" err="1"/>
+              <a:t>n</a:t>
+            </a:r>
+            <a:r>
+              <a:rPr lang="en-US" altLang="zh-CN" dirty="0" err="1" smtClean="0"/>
+              <a:t>ginx.conf</a:t>
+            </a:r>
+            <a:r>
+              <a:rPr lang="zh-CN" altLang="en-US" dirty="0" smtClean="0"/>
+              <a:t>文件读详悉</a:t>
+            </a:r>
+            <a:endParaRPr lang="zh-CN" altLang="en-US" dirty="0"/>
+          </a:p>
+        </p:txBody>
+      </p:sp>
+      <p:sp>
+        <p:nvSpPr>
+          <p:cNvPr id="3" name="内容占位符 2"/>
+          <p:cNvSpPr>
+            <a:spLocks noGrp="1"/>
+          </p:cNvSpPr>
+          <p:nvPr>
+            <p:ph idx="1"/>
+          </p:nvPr>
+        </p:nvSpPr>
+        <p:spPr>
+          <a:xfrm>
+            <a:off x="228600" y="1690689"/>
+            <a:ext cx="3634186" cy="4732338"/>
+          </a:xfrm>
+        </p:spPr>
+        <p:txBody>
+          <a:bodyPr>
+            <a:normAutofit/>
+          </a:bodyPr>
+          <a:lstStyle/>
+          <a:p>
+            <a:r>
+              <a:rPr lang="zh-CN" altLang="en-US" dirty="0" smtClean="0"/>
+              <a:t>基本配置为；结尾或者</a:t>
+            </a:r>
+            <a:r>
+              <a:rPr lang="en-US" altLang="zh-CN" dirty="0" smtClean="0"/>
+              <a:t>{}</a:t>
+            </a:r>
+          </a:p>
+          <a:p>
+            <a:r>
+              <a:rPr lang="zh-CN" altLang="en-US" dirty="0" smtClean="0"/>
+              <a:t>嵌套结构</a:t>
+            </a:r>
+            <a:endParaRPr lang="en-US" altLang="zh-CN" dirty="0" smtClean="0"/>
+          </a:p>
+          <a:p>
+            <a:r>
+              <a:rPr lang="zh-CN" altLang="en-US" dirty="0" smtClean="0"/>
+              <a:t>读取模块需求</a:t>
+            </a:r>
+            <a:endParaRPr lang="en-US" altLang="zh-CN" dirty="0" smtClean="0"/>
+          </a:p>
+          <a:p>
+            <a:pPr lvl="1"/>
+            <a:r>
+              <a:rPr lang="zh-CN" altLang="en-US" dirty="0" smtClean="0"/>
+              <a:t>准确</a:t>
+            </a:r>
+            <a:endParaRPr lang="en-US" altLang="zh-CN" dirty="0" smtClean="0"/>
+          </a:p>
+          <a:p>
+            <a:pPr lvl="1"/>
+            <a:r>
+              <a:rPr lang="zh-CN" altLang="en-US" dirty="0" smtClean="0"/>
+              <a:t>鲁棒性高</a:t>
+            </a:r>
+            <a:endParaRPr lang="en-US" altLang="zh-CN" dirty="0" smtClean="0"/>
+          </a:p>
+          <a:p>
+            <a:pPr lvl="1"/>
+            <a:r>
+              <a:rPr lang="zh-CN" altLang="en-US" dirty="0" smtClean="0"/>
+              <a:t>易维护</a:t>
+            </a:r>
+            <a:endParaRPr lang="en-US" altLang="zh-CN" dirty="0" smtClean="0"/>
+          </a:p>
+          <a:p>
+            <a:r>
+              <a:rPr lang="zh-CN" altLang="en-US" dirty="0" smtClean="0"/>
+              <a:t>设计分析</a:t>
+            </a:r>
+            <a:endParaRPr lang="en-US" altLang="zh-CN" dirty="0" smtClean="0"/>
+          </a:p>
+          <a:p>
+            <a:pPr lvl="1"/>
+            <a:r>
+              <a:rPr lang="zh-CN" altLang="en-US" dirty="0" smtClean="0"/>
+              <a:t>嵌套正则表达式</a:t>
+            </a:r>
+            <a:endParaRPr lang="en-US" altLang="zh-CN" dirty="0" smtClean="0"/>
+          </a:p>
+          <a:p>
+            <a:pPr lvl="1"/>
+            <a:r>
+              <a:rPr lang="zh-CN" altLang="en-US" dirty="0" smtClean="0"/>
+              <a:t>每个选项维护一个正则表达式</a:t>
+            </a:r>
+            <a:endParaRPr lang="en-US" altLang="zh-CN" dirty="0"/>
+          </a:p>
+        </p:txBody>
+      </p:sp>
+      <p:pic>
+        <p:nvPicPr>
+          <p:cNvPr id="1026" name="Picture 2"/>
+          <p:cNvPicPr>
+            <a:picLocks noChangeAspect="1" noChangeArrowheads="1"/>
+          </p:cNvPicPr>
+          <p:nvPr/>
+        </p:nvPicPr>
+        <p:blipFill>
+          <a:blip r:embed="rId2">
+            <a:extLst>
+              <a:ext uri="{28A0092B-C50C-407E-A947-70E740481C1C}">
+                <a14:useLocalDpi xmlns:a14="http://schemas.microsoft.com/office/drawing/2010/main" val="0"/>
+              </a:ext>
+            </a:extLst>
+          </a:blip>
+          <a:srcRect/>
+          <a:stretch>
+            <a:fillRect/>
+          </a:stretch>
+        </p:blipFill>
+        <p:spPr bwMode="auto">
+          <a:xfrm>
+            <a:off x="4105673" y="1690689"/>
+            <a:ext cx="5308555" cy="4732338"/>
+          </a:xfrm>
+          <a:prstGeom prst="rect">
+            <a:avLst/>
+          </a:prstGeom>
+          <a:noFill/>
+          <a:ln>
+            <a:noFill/>
+          </a:ln>
+          <a:effectLst/>
+          <a:extLst>
+            <a:ext uri="{909E8E84-426E-40DD-AFC4-6F175D3DCCD1}">
+              <a14:hiddenFill xmlns:a14="http://schemas.microsoft.com/office/drawing/2010/main">
+                <a:solidFill>
+                  <a:schemeClr val="accent1"/>
+                </a:solidFill>
+              </a14:hiddenFill>
+            </a:ext>
+            <a:ext uri="{91240B29-F687-4F45-9708-019B960494DF}">
+              <a14:hiddenLine xmlns:a14="http://schemas.microsoft.com/office/drawing/2010/main" w="9525">
+                <a:solidFill>
+                  <a:schemeClr val="tx1"/>
+                </a:solidFill>
+                <a:miter lim="800000"/>
+                <a:headEnd/>
+                <a:tailEnd/>
+              </a14:hiddenLine>
+            </a:ext>
+            <a:ext uri="{AF507438-7753-43E0-B8FC-AC1667EBCBE1}">
+              <a14:hiddenEffects xmlns:a14="http://schemas.microsoft.com/office/drawing/2010/main">
+                <a:effectLst>
+                  <a:outerShdw dist="35921" dir="2700000" algn="ctr" rotWithShape="0">
+                    <a:schemeClr val="bg2"/>
+                  </a:outerShdw>
+                </a:effectLst>
+              </a14:hiddenEffects>
+            </a:ext>
+          </a:extLst>
+        </p:spPr>
+      </p:pic>
+    </p:spTree>
+    <p:extLst>
+      <p:ext uri="{BB962C8B-B14F-4D97-AF65-F5344CB8AC3E}">
+        <p14:creationId xmlns:p14="http://schemas.microsoft.com/office/powerpoint/2010/main" val="422035626"/>
+      </p:ext>
+    </p:extLst>
+  </p:cSld>
+  <p:clrMapOvr>
+    <a:masterClrMapping/>
+  </p:clrMapOvr>
+  <p:transition spd="slow">
+    <p:push dir="u"/>
+  </p:transition>
+  <p:timing>
+    <p:tnLst>
+      <p:par>
+        <p:cTn id="1" dur="indefinite" restart="never" nodeType="tmRoot">
+          <p:childTnLst>
+            <p:seq concurrent="1" nextAc="seek">
+              <p:cTn id="2" dur="indefinite" nodeType="mainSeq">
+                <p:childTnLst>
+                  <p:par>
+                    <p:cTn id="3" fill="hold">
+                      <p:stCondLst>
+                        <p:cond delay="indefinite"/>
+                      </p:stCondLst>
+                      <p:childTnLst>
+                        <p:par>
+                          <p:cTn id="4" fill="hold">
+                            <p:stCondLst>
+                              <p:cond delay="0"/>
+                            </p:stCondLst>
+                            <p:childTnLst>
+                              <p:par>
+                                <p:cTn id="5" presetID="10" presetClass="entr" presetSubtype="0" fill="hold" nodeType="clickEffect">
+                                  <p:stCondLst>
+                                    <p:cond delay="0"/>
+                                  </p:stCondLst>
+                                  <p:childTnLst>
+                                    <p:set>
+                                      <p:cBhvr>
+                                        <p:cTn id="6" dur="1" fill="hold">
+                                          <p:stCondLst>
+                                            <p:cond delay="0"/>
+                                          </p:stCondLst>
+                                        </p:cTn>
+                                        <p:tgtEl>
+                                          <p:spTgt spid="1026"/>
+                                        </p:tgtEl>
+                                        <p:attrNameLst>
+                                          <p:attrName>style.visibility</p:attrName>
+                                        </p:attrNameLst>
+                                      </p:cBhvr>
+                                      <p:to>
+                                        <p:strVal val="visible"/>
+                                      </p:to>
+                                    </p:set>
+                                    <p:animEffect transition="in" filter="fade">
+                                      <p:cBhvr>
+                                        <p:cTn id="7" dur="500"/>
+                                        <p:tgtEl>
+                                          <p:spTgt spid="1026"/>
+                                        </p:tgtEl>
+                                      </p:cBhvr>
+                                    </p:animEffect>
+                                  </p:childTnLst>
+                                </p:cTn>
+                              </p:par>
+                            </p:childTnLst>
+                          </p:cTn>
+                        </p:par>
+                      </p:childTnLst>
+                    </p:cTn>
+                  </p:par>
+                  <p:par>
+                    <p:cTn id="8" fill="hold">
+                      <p:stCondLst>
+                        <p:cond delay="indefinite"/>
+                      </p:stCondLst>
+                      <p:childTnLst>
+                        <p:par>
+                          <p:cTn id="9" fill="hold">
+                            <p:stCondLst>
+                              <p:cond delay="0"/>
+                            </p:stCondLst>
+                            <p:childTnLst>
+                              <p:par>
+                                <p:cTn id="10" presetID="10" presetClass="entr" presetSubtype="0" fill="hold" grpId="0" nodeType="clickEffect">
+                                  <p:stCondLst>
+                                    <p:cond delay="0"/>
+                                  </p:stCondLst>
+                                  <p:childTnLst>
+                                    <p:set>
+                                      <p:cBhvr>
+                                        <p:cTn id="11" dur="1" fill="hold">
+                                          <p:stCondLst>
+                                            <p:cond delay="0"/>
+                                          </p:stCondLst>
+                                        </p:cTn>
+                                        <p:tgtEl>
+                                          <p:spTgt spid="3">
+                                            <p:txEl>
+                                              <p:pRg st="0" end="0"/>
+                                            </p:txEl>
+                                          </p:spTgt>
+                                        </p:tgtEl>
+                                        <p:attrNameLst>
+                                          <p:attrName>style.visibility</p:attrName>
+                                        </p:attrNameLst>
+                                      </p:cBhvr>
+                                      <p:to>
+                                        <p:strVal val="visible"/>
+                                      </p:to>
+                                    </p:set>
+                                    <p:animEffect transition="in" filter="fade">
+                                      <p:cBhvr>
+                                        <p:cTn id="12" dur="500"/>
+                                        <p:tgtEl>
+                                          <p:spTgt spid="3">
+                                            <p:txEl>
+                                              <p:pRg st="0" end="0"/>
+                                            </p:txEl>
+                                          </p:spTgt>
+                                        </p:tgtEl>
+                                      </p:cBhvr>
+                                    </p:animEffect>
+                                  </p:childTnLst>
+                                </p:cTn>
+                              </p:par>
+                            </p:childTnLst>
+                          </p:cTn>
+                        </p:par>
+                      </p:childTnLst>
+                    </p:cTn>
+                  </p:par>
+                  <p:par>
+                    <p:cTn id="13" fill="hold">
+                      <p:stCondLst>
+                        <p:cond delay="indefinite"/>
+                      </p:stCondLst>
+                      <p:childTnLst>
+                        <p:par>
+                          <p:cTn id="14" fill="hold">
+                            <p:stCondLst>
+                              <p:cond delay="0"/>
+                            </p:stCondLst>
+                            <p:childTnLst>
+                              <p:par>
+                                <p:cTn id="15" presetID="10" presetClass="entr" presetSubtype="0" fill="hold" grpId="0" nodeType="clickEffect">
+                                  <p:stCondLst>
+                                    <p:cond delay="0"/>
+                                  </p:stCondLst>
+                                  <p:childTnLst>
+                                    <p:set>
+                                      <p:cBhvr>
+                                        <p:cTn id="16" dur="1" fill="hold">
+                                          <p:stCondLst>
+                                            <p:cond delay="0"/>
+                                          </p:stCondLst>
+                                        </p:cTn>
+                                        <p:tgtEl>
+                                          <p:spTgt spid="3">
+                                            <p:txEl>
+                                              <p:pRg st="1" end="1"/>
+                                            </p:txEl>
+                                          </p:spTgt>
+                                        </p:tgtEl>
+                                        <p:attrNameLst>
+                                          <p:attrName>style.visibility</p:attrName>
+                                        </p:attrNameLst>
+                                      </p:cBhvr>
+                                      <p:to>
+                                        <p:strVal val="visible"/>
+                                      </p:to>
+                                    </p:set>
+                                    <p:animEffect transition="in" filter="fade">
+                                      <p:cBhvr>
+                                        <p:cTn id="17" dur="500"/>
+                                        <p:tgtEl>
+                                          <p:spTgt spid="3">
+                                            <p:txEl>
+                                              <p:pRg st="1" end="1"/>
+                                            </p:txEl>
+                                          </p:spTgt>
+                                        </p:tgtEl>
+                                      </p:cBhvr>
+                                    </p:animEffect>
+                                  </p:childTnLst>
+                                </p:cTn>
+                              </p:par>
+                            </p:childTnLst>
+                          </p:cTn>
+                        </p:par>
+                      </p:childTnLst>
+                    </p:cTn>
+                  </p:par>
+                  <p:par>
+                    <p:cTn id="18" fill="hold">
+                      <p:stCondLst>
+                        <p:cond delay="indefinite"/>
+                      </p:stCondLst>
+                      <p:childTnLst>
+                        <p:par>
+                          <p:cTn id="19" fill="hold">
+                            <p:stCondLst>
+                              <p:cond delay="0"/>
+                            </p:stCondLst>
+                            <p:childTnLst>
+                              <p:par>
+                                <p:cTn id="20" presetID="10" presetClass="entr" presetSubtype="0" fill="hold" grpId="0" nodeType="clickEffect">
+                                  <p:stCondLst>
+                                    <p:cond delay="0"/>
+                                  </p:stCondLst>
+                                  <p:childTnLst>
+                                    <p:set>
+                                      <p:cBhvr>
+                                        <p:cTn id="21" dur="1" fill="hold">
+                                          <p:stCondLst>
+                                            <p:cond delay="0"/>
+                                          </p:stCondLst>
+                                        </p:cTn>
+                                        <p:tgtEl>
+                                          <p:spTgt spid="3">
+                                            <p:txEl>
+                                              <p:pRg st="2" end="2"/>
+                                            </p:txEl>
+                                          </p:spTgt>
+                                        </p:tgtEl>
+                                        <p:attrNameLst>
+                                          <p:attrName>style.visibility</p:attrName>
+                                        </p:attrNameLst>
+                                      </p:cBhvr>
+                                      <p:to>
+                                        <p:strVal val="visible"/>
+                                      </p:to>
+                                    </p:set>
+                                    <p:animEffect transition="in" filter="fade">
+                                      <p:cBhvr>
+                                        <p:cTn id="22" dur="500"/>
+                                        <p:tgtEl>
+                                          <p:spTgt spid="3">
+                                            <p:txEl>
+                                              <p:pRg st="2" end="2"/>
+                                            </p:txEl>
+                                          </p:spTgt>
+                                        </p:tgtEl>
+                                      </p:cBhvr>
+                                    </p:animEffect>
+                                  </p:childTnLst>
+                                </p:cTn>
+                              </p:par>
+                            </p:childTnLst>
+                          </p:cTn>
+                        </p:par>
+                      </p:childTnLst>
+                    </p:cTn>
+                  </p:par>
+                  <p:par>
+                    <p:cTn id="23" fill="hold">
+                      <p:stCondLst>
+                        <p:cond delay="indefinite"/>
+                      </p:stCondLst>
+                      <p:childTnLst>
+                        <p:par>
+                          <p:cTn id="24" fill="hold">
+                            <p:stCondLst>
+                              <p:cond delay="0"/>
+                            </p:stCondLst>
+                            <p:childTnLst>
+                              <p:par>
+                                <p:cTn id="25" presetID="10" presetClass="entr" presetSubtype="0" fill="hold" grpId="0" nodeType="clickEffect">
+                                  <p:stCondLst>
+                                    <p:cond delay="0"/>
+                                  </p:stCondLst>
+                                  <p:childTnLst>
+                                    <p:set>
+                                      <p:cBhvr>
+                                        <p:cTn id="26" dur="1" fill="hold">
+                                          <p:stCondLst>
+                                            <p:cond delay="0"/>
+                                          </p:stCondLst>
+                                        </p:cTn>
+                                        <p:tgtEl>
+                                          <p:spTgt spid="3">
+                                            <p:txEl>
+                                              <p:pRg st="3" end="3"/>
+                                            </p:txEl>
+                                          </p:spTgt>
+                                        </p:tgtEl>
+                                        <p:attrNameLst>
+                                          <p:attrName>style.visibility</p:attrName>
+                                        </p:attrNameLst>
+                                      </p:cBhvr>
+                                      <p:to>
+                                        <p:strVal val="visible"/>
+                                      </p:to>
+                                    </p:set>
+                                    <p:animEffect transition="in" filter="fade">
+                                      <p:cBhvr>
+                                        <p:cTn id="27" dur="500"/>
+                                        <p:tgtEl>
+                                          <p:spTgt spid="3">
+                                            <p:txEl>
+                                              <p:pRg st="3" end="3"/>
+                                            </p:txEl>
+                                          </p:spTgt>
+                                        </p:tgtEl>
+                                      </p:cBhvr>
+                                    </p:animEffect>
+                                  </p:childTnLst>
+                                </p:cTn>
+                              </p:par>
+                            </p:childTnLst>
+                          </p:cTn>
+                        </p:par>
+                      </p:childTnLst>
+                    </p:cTn>
+                  </p:par>
+                  <p:par>
+                    <p:cTn id="28" fill="hold">
+                      <p:stCondLst>
+                        <p:cond delay="indefinite"/>
+                      </p:stCondLst>
+                      <p:childTnLst>
+                        <p:par>
+                          <p:cTn id="29" fill="hold">
+                            <p:stCondLst>
+                              <p:cond delay="0"/>
+                            </p:stCondLst>
+                            <p:childTnLst>
+                              <p:par>
+                                <p:cTn id="30" presetID="10" presetClass="entr" presetSubtype="0" fill="hold" grpId="0" nodeType="clickEffect">
+                                  <p:stCondLst>
+                                    <p:cond delay="0"/>
+                                  </p:stCondLst>
+                                  <p:childTnLst>
+                                    <p:set>
+                                      <p:cBhvr>
+                                        <p:cTn id="31" dur="1" fill="hold">
+                                          <p:stCondLst>
+                                            <p:cond delay="0"/>
+                                          </p:stCondLst>
+                                        </p:cTn>
+                                        <p:tgtEl>
+                                          <p:spTgt spid="3">
+                                            <p:txEl>
+                                              <p:pRg st="4" end="4"/>
+                                            </p:txEl>
+                                          </p:spTgt>
+                                        </p:tgtEl>
+                                        <p:attrNameLst>
+                                          <p:attrName>style.visibility</p:attrName>
+                                        </p:attrNameLst>
+                                      </p:cBhvr>
+                                      <p:to>
+                                        <p:strVal val="visible"/>
+                                      </p:to>
+                                    </p:set>
+                                    <p:animEffect transition="in" filter="fade">
+                                      <p:cBhvr>
+                                        <p:cTn id="32" dur="500"/>
+                                        <p:tgtEl>
+                                          <p:spTgt spid="3">
+                                            <p:txEl>
+                                              <p:pRg st="4" end="4"/>
+                                            </p:txEl>
+                                          </p:spTgt>
+                                        </p:tgtEl>
+                                      </p:cBhvr>
+                                    </p:animEffect>
+                                  </p:childTnLst>
+                                </p:cTn>
+                              </p:par>
+                            </p:childTnLst>
+                          </p:cTn>
+                        </p:par>
+                      </p:childTnLst>
+                    </p:cTn>
+                  </p:par>
+                  <p:par>
+                    <p:cTn id="33" fill="hold">
+                      <p:stCondLst>
+                        <p:cond delay="indefinite"/>
+                      </p:stCondLst>
+                      <p:childTnLst>
+                        <p:par>
+                          <p:cTn id="34" fill="hold">
+                            <p:stCondLst>
+                              <p:cond delay="0"/>
+                            </p:stCondLst>
+                            <p:childTnLst>
+                              <p:par>
+                                <p:cTn id="35" presetID="10" presetClass="entr" presetSubtype="0" fill="hold" grpId="0" nodeType="clickEffect">
+                                  <p:stCondLst>
+                                    <p:cond delay="0"/>
+                                  </p:stCondLst>
+                                  <p:childTnLst>
+                                    <p:set>
+                                      <p:cBhvr>
+                                        <p:cTn id="36" dur="1" fill="hold">
+                                          <p:stCondLst>
+                                            <p:cond delay="0"/>
+                                          </p:stCondLst>
+                                        </p:cTn>
+                                        <p:tgtEl>
+                                          <p:spTgt spid="3">
+                                            <p:txEl>
+                                              <p:pRg st="5" end="5"/>
+                                            </p:txEl>
+                                          </p:spTgt>
+                                        </p:tgtEl>
+                                        <p:attrNameLst>
+                                          <p:attrName>style.visibility</p:attrName>
+                                        </p:attrNameLst>
+                                      </p:cBhvr>
+                                      <p:to>
+                                        <p:strVal val="visible"/>
+                                      </p:to>
+                                    </p:set>
+                                    <p:animEffect transition="in" filter="fade">
+                                      <p:cBhvr>
+                                        <p:cTn id="37" dur="500"/>
+                                        <p:tgtEl>
+                                          <p:spTgt spid="3">
+                                            <p:txEl>
+                                              <p:pRg st="5" end="5"/>
+                                            </p:txEl>
+                                          </p:spTgt>
+                                        </p:tgtEl>
+                                      </p:cBhvr>
+                                    </p:animEffect>
+                                  </p:childTnLst>
+                                </p:cTn>
+                              </p:par>
+                            </p:childTnLst>
+                          </p:cTn>
+                        </p:par>
+                      </p:childTnLst>
+                    </p:cTn>
+                  </p:par>
+                  <p:par>
+                    <p:cTn id="38" fill="hold">
+                      <p:stCondLst>
+                        <p:cond delay="indefinite"/>
+                      </p:stCondLst>
+                      <p:childTnLst>
+                        <p:par>
+                          <p:cTn id="39" fill="hold">
+                            <p:stCondLst>
+                              <p:cond delay="0"/>
+                            </p:stCondLst>
+                            <p:childTnLst>
+                              <p:par>
+                                <p:cTn id="40" presetID="10" presetClass="entr" presetSubtype="0" fill="hold" grpId="0" nodeType="clickEffect">
+                                  <p:stCondLst>
+                                    <p:cond delay="0"/>
+                                  </p:stCondLst>
+                                  <p:childTnLst>
+                                    <p:set>
+                                      <p:cBhvr>
+                                        <p:cTn id="41" dur="1" fill="hold">
+                                          <p:stCondLst>
+                                            <p:cond delay="0"/>
+                                          </p:stCondLst>
+                                        </p:cTn>
+                                        <p:tgtEl>
+                                          <p:spTgt spid="3">
+                                            <p:txEl>
+                                              <p:pRg st="6" end="6"/>
+                                            </p:txEl>
+                                          </p:spTgt>
+                                        </p:tgtEl>
+                                        <p:attrNameLst>
+                                          <p:attrName>style.visibility</p:attrName>
+                                        </p:attrNameLst>
+                                      </p:cBhvr>
+                                      <p:to>
+                                        <p:strVal val="visible"/>
+                                      </p:to>
+                                    </p:set>
+                                    <p:animEffect transition="in" filter="fade">
+                                      <p:cBhvr>
+                                        <p:cTn id="42" dur="500"/>
+                                        <p:tgtEl>
+                                          <p:spTgt spid="3">
+                                            <p:txEl>
+                                              <p:pRg st="6" end="6"/>
+                                            </p:txEl>
+                                          </p:spTgt>
+                                        </p:tgtEl>
+                                      </p:cBhvr>
+                                    </p:animEffect>
+                                  </p:childTnLst>
+                                </p:cTn>
+                              </p:par>
+                            </p:childTnLst>
+                          </p:cTn>
+                        </p:par>
+                      </p:childTnLst>
+                    </p:cTn>
+                  </p:par>
+                  <p:par>
+                    <p:cTn id="43" fill="hold">
+                      <p:stCondLst>
+                        <p:cond delay="indefinite"/>
+                      </p:stCondLst>
+                      <p:childTnLst>
+                        <p:par>
+                          <p:cTn id="44" fill="hold">
+                            <p:stCondLst>
+                              <p:cond delay="0"/>
+                            </p:stCondLst>
+                            <p:childTnLst>
+                              <p:par>
+                                <p:cTn id="45" presetID="10" presetClass="entr" presetSubtype="0" fill="hold" grpId="0" nodeType="clickEffect">
+                                  <p:stCondLst>
+                                    <p:cond delay="0"/>
+                                  </p:stCondLst>
+                                  <p:childTnLst>
+                                    <p:set>
+                                      <p:cBhvr>
+                                        <p:cTn id="46" dur="1" fill="hold">
+                                          <p:stCondLst>
+                                            <p:cond delay="0"/>
+                                          </p:stCondLst>
+                                        </p:cTn>
+                                        <p:tgtEl>
+                                          <p:spTgt spid="3">
+                                            <p:txEl>
+                                              <p:pRg st="7" end="7"/>
+                                            </p:txEl>
+                                          </p:spTgt>
+                                        </p:tgtEl>
+                                        <p:attrNameLst>
+                                          <p:attrName>style.visibility</p:attrName>
+                                        </p:attrNameLst>
+                                      </p:cBhvr>
+                                      <p:to>
+                                        <p:strVal val="visible"/>
+                                      </p:to>
+                                    </p:set>
+                                    <p:animEffect transition="in" filter="fade">
+                                      <p:cBhvr>
+                                        <p:cTn id="47" dur="500"/>
+                                        <p:tgtEl>
+                                          <p:spTgt spid="3">
+                                            <p:txEl>
+                                              <p:pRg st="7" end="7"/>
+                                            </p:txEl>
+                                          </p:spTgt>
+                                        </p:tgtEl>
+                                      </p:cBhvr>
+                                    </p:animEffect>
+                                  </p:childTnLst>
+                                </p:cTn>
+                              </p:par>
+                            </p:childTnLst>
+                          </p:cTn>
+                        </p:par>
+                      </p:childTnLst>
+                    </p:cTn>
+                  </p:par>
+                  <p:par>
+                    <p:cTn id="48" fill="hold">
+                      <p:stCondLst>
+                        <p:cond delay="indefinite"/>
+                      </p:stCondLst>
+                      <p:childTnLst>
+                        <p:par>
+                          <p:cTn id="49" fill="hold">
+                            <p:stCondLst>
+                              <p:cond delay="0"/>
+                            </p:stCondLst>
+                            <p:childTnLst>
+                              <p:par>
+                                <p:cTn id="50" presetID="10" presetClass="entr" presetSubtype="0" fill="hold" grpId="0" nodeType="clickEffect">
+                                  <p:stCondLst>
+                                    <p:cond delay="0"/>
+                                  </p:stCondLst>
+                                  <p:childTnLst>
+                                    <p:set>
+                                      <p:cBhvr>
+                                        <p:cTn id="51" dur="1" fill="hold">
+                                          <p:stCondLst>
+                                            <p:cond delay="0"/>
+                                          </p:stCondLst>
+                                        </p:cTn>
+                                        <p:tgtEl>
+                                          <p:spTgt spid="3">
+                                            <p:txEl>
+                                              <p:pRg st="8" end="8"/>
+                                            </p:txEl>
+                                          </p:spTgt>
+                                        </p:tgtEl>
+                                        <p:attrNameLst>
+                                          <p:attrName>style.visibility</p:attrName>
+                                        </p:attrNameLst>
+                                      </p:cBhvr>
+                                      <p:to>
+                                        <p:strVal val="visible"/>
+                                      </p:to>
+                                    </p:set>
+                                    <p:animEffect transition="in" filter="fade">
+                                      <p:cBhvr>
+                                        <p:cTn id="52" dur="500"/>
+                                        <p:tgtEl>
+                                          <p:spTgt spid="3">
+                                            <p:txEl>
+                                              <p:pRg st="8" end="8"/>
+                                            </p:txEl>
+                                          </p:spTgt>
+                                        </p:tgtEl>
+                                      </p:cBhvr>
+                                    </p:animEffect>
+                                  </p:childTnLst>
+                                </p:cTn>
+                              </p:par>
+                            </p:childTnLst>
+                          </p:cTn>
+                        </p:par>
+                      </p:childTnLst>
+                    </p:cTn>
+                  </p:par>
+                </p:childTnLst>
+              </p:cTn>
+              <p:prevCondLst>
+                <p:cond evt="onPrev" delay="0">
+                  <p:tgtEl>
+                    <p:sldTgt/>
+                  </p:tgtEl>
+                </p:cond>
+              </p:prevCondLst>
+              <p:nextCondLst>
+                <p:cond evt="onNext" delay="0">
+                  <p:tgtEl>
+                    <p:sldTgt/>
+                  </p:tgtEl>
+                </p:cond>
+              </p:nextCondLst>
+            </p:seq>
+          </p:childTnLst>
+        </p:cTn>
+      </p:par>
+    </p:tnLst>
+    <p:bldLst>
+      <p:bldP spid="3" grpId="0" uiExpand="1" build="p"/>
+    </p:bldLst>
+  </p:timing>
+</p:sld>
+</file>
+
+<file path=ppt/slides/slide4.xml><?xml version="1.0" encoding="utf-8"?>
+<p:sld xmlns:a="http://schemas.openxmlformats.org/drawingml/2006/main" xmlns:r="http://schemas.openxmlformats.org/officeDocument/2006/relationships" xmlns:p="http://schemas.openxmlformats.org/presentationml/2006/main">
+  <p:cSld>
+    <p:spTree>
+      <p:nvGrpSpPr>
+        <p:cNvPr id="1" name=""/>
+        <p:cNvGrpSpPr/>
+        <p:nvPr/>
+      </p:nvGrpSpPr>
+      <p:grpSpPr>
+        <a:xfrm>
+          <a:off x="0" y="0"/>
+          <a:ext cx="0" cy="0"/>
+          <a:chOff x="0" y="0"/>
+          <a:chExt cx="0" cy="0"/>
+        </a:xfrm>
+      </p:grpSpPr>
+      <p:pic>
+        <p:nvPicPr>
+          <p:cNvPr id="5" name="Picture 2"/>
+          <p:cNvPicPr>
+            <a:picLocks noGrp="1" noChangeAspect="1" noChangeArrowheads="1"/>
+          </p:cNvPicPr>
+          <p:nvPr>
+            <p:ph idx="1"/>
+          </p:nvPr>
+        </p:nvPicPr>
+        <p:blipFill>
+          <a:blip r:embed="rId2">
+            <a:extLst>
+              <a:ext uri="{28A0092B-C50C-407E-A947-70E740481C1C}">
+                <a14:useLocalDpi xmlns:a14="http://schemas.microsoft.com/office/drawing/2010/main" val="0"/>
+              </a:ext>
+            </a:extLst>
+          </a:blip>
+          <a:srcRect/>
+          <a:stretch>
+            <a:fillRect/>
+          </a:stretch>
+        </p:blipFill>
+        <p:spPr bwMode="auto">
+          <a:xfrm>
+            <a:off x="4391541" y="1822856"/>
+            <a:ext cx="4752459" cy="4236603"/>
+          </a:xfrm>
+          <a:prstGeom prst="rect">
+            <a:avLst/>
+          </a:prstGeom>
+          <a:noFill/>
+          <a:ln>
+            <a:noFill/>
+          </a:ln>
+          <a:effectLst/>
+          <a:extLst>
+            <a:ext uri="{909E8E84-426E-40DD-AFC4-6F175D3DCCD1}">
+              <a14:hiddenFill xmlns:a14="http://schemas.microsoft.com/office/drawing/2010/main">
+                <a:solidFill>
+                  <a:schemeClr val="accent1"/>
+                </a:solidFill>
+              </a14:hiddenFill>
+            </a:ext>
+            <a:ext uri="{91240B29-F687-4F45-9708-019B960494DF}">
+              <a14:hiddenLine xmlns:a14="http://schemas.microsoft.com/office/drawing/2010/main" w="9525">
+                <a:solidFill>
+                  <a:schemeClr val="tx1"/>
+                </a:solidFill>
+                <a:miter lim="800000"/>
+                <a:headEnd/>
+                <a:tailEnd/>
+              </a14:hiddenLine>
+            </a:ext>
+            <a:ext uri="{AF507438-7753-43E0-B8FC-AC1667EBCBE1}">
+              <a14:hiddenEffects xmlns:a14="http://schemas.microsoft.com/office/drawing/2010/main">
+                <a:effectLst>
+                  <a:outerShdw dist="35921" dir="2700000" algn="ctr" rotWithShape="0">
+                    <a:schemeClr val="bg2"/>
+                  </a:outerShdw>
+                </a:effectLst>
+              </a14:hiddenEffects>
+            </a:ext>
+          </a:extLst>
+        </p:spPr>
+      </p:pic>
+      <p:sp>
+        <p:nvSpPr>
+          <p:cNvPr id="2" name="标题 1"/>
+          <p:cNvSpPr>
+            <a:spLocks noGrp="1"/>
+          </p:cNvSpPr>
+          <p:nvPr>
+            <p:ph type="title"/>
+          </p:nvPr>
+        </p:nvSpPr>
+        <p:spPr/>
+        <p:txBody>
+          <a:bodyPr/>
+          <a:lstStyle/>
+          <a:p>
+            <a:r>
+              <a:rPr lang="en-US" altLang="zh-CN" dirty="0" err="1" smtClean="0"/>
+              <a:t>nginx.conf</a:t>
+            </a:r>
+            <a:r>
+              <a:rPr lang="zh-CN" altLang="en-US" dirty="0" smtClean="0"/>
+              <a:t>正则表达式嵌套</a:t>
+            </a:r>
+            <a:endParaRPr lang="zh-CN" altLang="en-US" dirty="0"/>
+          </a:p>
+        </p:txBody>
+      </p:sp>
+      <p:pic>
+        <p:nvPicPr>
+          <p:cNvPr id="3074" name="Picture 2"/>
+          <p:cNvPicPr>
+            <a:picLocks noChangeAspect="1" noChangeArrowheads="1"/>
+          </p:cNvPicPr>
+          <p:nvPr/>
+        </p:nvPicPr>
+        <p:blipFill>
+          <a:blip r:embed="rId3">
+            <a:extLst>
+              <a:ext uri="{28A0092B-C50C-407E-A947-70E740481C1C}">
+                <a14:useLocalDpi xmlns:a14="http://schemas.microsoft.com/office/drawing/2010/main" val="0"/>
+              </a:ext>
+            </a:extLst>
+          </a:blip>
+          <a:srcRect/>
+          <a:stretch>
+            <a:fillRect/>
+          </a:stretch>
+        </p:blipFill>
+        <p:spPr bwMode="auto">
+          <a:xfrm>
+            <a:off x="19566" y="2240422"/>
+            <a:ext cx="5000625" cy="352425"/>
+          </a:xfrm>
+          <a:prstGeom prst="rect">
+            <a:avLst/>
+          </a:prstGeom>
+          <a:noFill/>
+          <a:ln>
+            <a:noFill/>
+          </a:ln>
+          <a:effectLst/>
+          <a:extLst>
+            <a:ext uri="{909E8E84-426E-40DD-AFC4-6F175D3DCCD1}">
+              <a14:hiddenFill xmlns:a14="http://schemas.microsoft.com/office/drawing/2010/main">
+                <a:solidFill>
+                  <a:schemeClr val="accent1"/>
+                </a:solidFill>
+              </a14:hiddenFill>
+            </a:ext>
+            <a:ext uri="{91240B29-F687-4F45-9708-019B960494DF}">
+              <a14:hiddenLine xmlns:a14="http://schemas.microsoft.com/office/drawing/2010/main" w="9525">
+                <a:solidFill>
+                  <a:schemeClr val="tx1"/>
+                </a:solidFill>
+                <a:miter lim="800000"/>
+                <a:headEnd/>
+                <a:tailEnd/>
+              </a14:hiddenLine>
+            </a:ext>
+            <a:ext uri="{AF507438-7753-43E0-B8FC-AC1667EBCBE1}">
+              <a14:hiddenEffects xmlns:a14="http://schemas.microsoft.com/office/drawing/2010/main">
+                <a:effectLst>
+                  <a:outerShdw dist="35921" dir="2700000" algn="ctr" rotWithShape="0">
+                    <a:schemeClr val="bg2"/>
+                  </a:outerShdw>
+                </a:effectLst>
+              </a14:hiddenEffects>
+            </a:ext>
+          </a:extLst>
+        </p:spPr>
+      </p:pic>
+      <p:sp>
+        <p:nvSpPr>
+          <p:cNvPr id="4" name="圆角矩形 3"/>
+          <p:cNvSpPr/>
+          <p:nvPr/>
+        </p:nvSpPr>
+        <p:spPr>
+          <a:xfrm>
+            <a:off x="4391542" y="3889269"/>
+            <a:ext cx="4581008" cy="2170190"/>
+          </a:xfrm>
+          <a:prstGeom prst="roundRect">
+            <a:avLst/>
+          </a:prstGeom>
+          <a:noFill/>
+        </p:spPr>
+        <p:style>
+          <a:lnRef idx="2">
+            <a:schemeClr val="accent2"/>
+          </a:lnRef>
+          <a:fillRef idx="1">
+            <a:schemeClr val="lt1"/>
+          </a:fillRef>
+          <a:effectRef idx="0">
+            <a:schemeClr val="accent2"/>
+          </a:effectRef>
+          <a:fontRef idx="minor">
+            <a:schemeClr val="dk1"/>
+          </a:fontRef>
+        </p:style>
+        <p:txBody>
+          <a:bodyPr rtlCol="0" anchor="ctr"/>
+          <a:lstStyle/>
+          <a:p>
+            <a:pPr algn="ctr"/>
+            <a:endParaRPr lang="zh-CN" altLang="en-US"/>
+          </a:p>
+        </p:txBody>
+      </p:sp>
+      <p:sp>
+        <p:nvSpPr>
+          <p:cNvPr id="8" name="内容占位符 2"/>
+          <p:cNvSpPr txBox="1">
+            <a:spLocks/>
+          </p:cNvSpPr>
+          <p:nvPr/>
+        </p:nvSpPr>
+        <p:spPr>
+          <a:xfrm>
+            <a:off x="-1" y="1709740"/>
+            <a:ext cx="4600575" cy="5148260"/>
+          </a:xfrm>
+          <a:prstGeom prst="rect">
+            <a:avLst/>
+          </a:prstGeom>
+        </p:spPr>
+        <p:txBody>
+          <a:bodyPr vert="horz" lIns="91440" tIns="45720" rIns="91440" bIns="45720" rtlCol="0">
+            <a:normAutofit/>
+          </a:bodyPr>
+          <a:lstStyle>
+            <a:lvl1pPr marL="228600" indent="-228600" algn="l" defTabSz="914400" rtl="0" eaLnBrk="1" latinLnBrk="0" hangingPunct="1">
+              <a:lnSpc>
+                <a:spcPct val="90000"/>
+              </a:lnSpc>
+              <a:spcBef>
+                <a:spcPts val="1000"/>
+              </a:spcBef>
+              <a:buFont typeface="Arial" panose="020B0604020202020204" pitchFamily="34" charset="0"/>
+              <a:buChar char="•"/>
+              <a:defRPr sz="2800" kern="1200">
+                <a:solidFill>
+                  <a:schemeClr val="tx1"/>
+                </a:solidFill>
+                <a:latin typeface="+mn-lt"/>
+                <a:ea typeface="+mn-ea"/>
+                <a:cs typeface="+mn-cs"/>
+              </a:defRPr>
+            </a:lvl1pPr>
+            <a:lvl2pPr marL="685800" indent="-228600" algn="l" defTabSz="914400" rtl="0" eaLnBrk="1" latinLnBrk="0" hangingPunct="1">
+              <a:lnSpc>
+                <a:spcPct val="90000"/>
+              </a:lnSpc>
+              <a:spcBef>
+                <a:spcPts val="500"/>
+              </a:spcBef>
+              <a:buFont typeface="Arial" panose="020B0604020202020204" pitchFamily="34" charset="0"/>
+              <a:buChar char="•"/>
+              <a:defRPr sz="2400" kern="1200">
+                <a:solidFill>
+                  <a:schemeClr val="tx1"/>
+                </a:solidFill>
+                <a:latin typeface="+mn-lt"/>
+                <a:ea typeface="+mn-ea"/>
+                <a:cs typeface="+mn-cs"/>
+              </a:defRPr>
+            </a:lvl2pPr>
+            <a:lvl3pPr marL="1143000" indent="-228600" algn="l" defTabSz="914400" rtl="0" eaLnBrk="1" latinLnBrk="0" hangingPunct="1">
+              <a:lnSpc>
+                <a:spcPct val="90000"/>
+              </a:lnSpc>
+              <a:spcBef>
+                <a:spcPts val="500"/>
+              </a:spcBef>
+              <a:buFont typeface="Arial" panose="020B0604020202020204" pitchFamily="34" charset="0"/>
+              <a:buChar char="•"/>
+              <a:defRPr sz="2000" kern="1200">
+                <a:solidFill>
+                  <a:schemeClr val="tx1"/>
+                </a:solidFill>
+                <a:latin typeface="+mn-lt"/>
+                <a:ea typeface="+mn-ea"/>
+                <a:cs typeface="+mn-cs"/>
+              </a:defRPr>
+            </a:lvl3pPr>
+            <a:lvl4pPr marL="1600200" indent="-228600" algn="l" defTabSz="914400" rtl="0" eaLnBrk="1" latinLnBrk="0" hangingPunct="1">
+              <a:lnSpc>
+                <a:spcPct val="90000"/>
+              </a:lnSpc>
+              <a:spcBef>
+                <a:spcPts val="500"/>
+              </a:spcBef>
+              <a:buFont typeface="Arial" panose="020B0604020202020204" pitchFamily="34" charset="0"/>
+              <a:buChar char="•"/>
+              <a:defRPr sz="1800" kern="1200">
+                <a:solidFill>
+                  <a:schemeClr val="tx1"/>
+                </a:solidFill>
+                <a:latin typeface="+mn-lt"/>
+                <a:ea typeface="+mn-ea"/>
+                <a:cs typeface="+mn-cs"/>
+              </a:defRPr>
+            </a:lvl4pPr>
+            <a:lvl5pPr marL="2057400" indent="-228600" algn="l" defTabSz="914400" rtl="0" eaLnBrk="1" latinLnBrk="0" hangingPunct="1">
+              <a:lnSpc>
+                <a:spcPct val="90000"/>
+              </a:lnSpc>
+              <a:spcBef>
+                <a:spcPts val="500"/>
+              </a:spcBef>
+              <a:buFont typeface="Arial" panose="020B0604020202020204" pitchFamily="34" charset="0"/>
+              <a:buChar char="•"/>
+              <a:defRPr sz="1800" kern="1200">
+                <a:solidFill>
+                  <a:schemeClr val="tx1"/>
+                </a:solidFill>
+                <a:latin typeface="+mn-lt"/>
+                <a:ea typeface="+mn-ea"/>
+                <a:cs typeface="+mn-cs"/>
+              </a:defRPr>
+            </a:lvl5pPr>
+            <a:lvl6pPr marL="2514600" indent="-228600" algn="l" defTabSz="914400" rtl="0" eaLnBrk="1" latinLnBrk="0" hangingPunct="1">
+              <a:lnSpc>
+                <a:spcPct val="90000"/>
+              </a:lnSpc>
+              <a:spcBef>
+                <a:spcPts val="500"/>
+              </a:spcBef>
+              <a:buFont typeface="Arial" panose="020B0604020202020204" pitchFamily="34" charset="0"/>
+              <a:buChar char="•"/>
+              <a:defRPr sz="1800" kern="1200">
+                <a:solidFill>
+                  <a:schemeClr val="tx1"/>
+                </a:solidFill>
+                <a:latin typeface="+mn-lt"/>
+                <a:ea typeface="+mn-ea"/>
+                <a:cs typeface="+mn-cs"/>
+              </a:defRPr>
+            </a:lvl6pPr>
+            <a:lvl7pPr marL="2971800" indent="-228600" algn="l" defTabSz="914400" rtl="0" eaLnBrk="1" latinLnBrk="0" hangingPunct="1">
+              <a:lnSpc>
+                <a:spcPct val="90000"/>
+              </a:lnSpc>
+              <a:spcBef>
+                <a:spcPts val="500"/>
+              </a:spcBef>
+              <a:buFont typeface="Arial" panose="020B0604020202020204" pitchFamily="34" charset="0"/>
+              <a:buChar char="•"/>
+              <a:defRPr sz="1800" kern="1200">
+                <a:solidFill>
+                  <a:schemeClr val="tx1"/>
+                </a:solidFill>
+                <a:latin typeface="+mn-lt"/>
+                <a:ea typeface="+mn-ea"/>
+                <a:cs typeface="+mn-cs"/>
+              </a:defRPr>
+            </a:lvl7pPr>
+            <a:lvl8pPr marL="3429000" indent="-228600" algn="l" defTabSz="914400" rtl="0" eaLnBrk="1" latinLnBrk="0" hangingPunct="1">
+              <a:lnSpc>
+                <a:spcPct val="90000"/>
+              </a:lnSpc>
+              <a:spcBef>
+                <a:spcPts val="500"/>
+              </a:spcBef>
+              <a:buFont typeface="Arial" panose="020B0604020202020204" pitchFamily="34" charset="0"/>
+              <a:buChar char="•"/>
+              <a:defRPr sz="1800" kern="1200">
+                <a:solidFill>
+                  <a:schemeClr val="tx1"/>
+                </a:solidFill>
+                <a:latin typeface="+mn-lt"/>
+                <a:ea typeface="+mn-ea"/>
+                <a:cs typeface="+mn-cs"/>
+              </a:defRPr>
+            </a:lvl8pPr>
+            <a:lvl9pPr marL="3886200" indent="-228600" algn="l" defTabSz="914400" rtl="0" eaLnBrk="1" latinLnBrk="0" hangingPunct="1">
+              <a:lnSpc>
+                <a:spcPct val="90000"/>
+              </a:lnSpc>
+              <a:spcBef>
+                <a:spcPts val="500"/>
+              </a:spcBef>
+              <a:buFont typeface="Arial" panose="020B0604020202020204" pitchFamily="34" charset="0"/>
+              <a:buChar char="•"/>
+              <a:defRPr sz="1800" kern="1200">
+                <a:solidFill>
+                  <a:schemeClr val="tx1"/>
+                </a:solidFill>
+                <a:latin typeface="+mn-lt"/>
+                <a:ea typeface="+mn-ea"/>
+                <a:cs typeface="+mn-cs"/>
+              </a:defRPr>
+            </a:lvl9pPr>
+          </a:lstStyle>
+          <a:p>
+            <a:r>
+              <a:rPr lang="en-US" altLang="zh-CN" dirty="0" smtClean="0"/>
+              <a:t>http.py</a:t>
+            </a:r>
+          </a:p>
+          <a:p>
+            <a:endParaRPr lang="en-US" altLang="zh-CN" dirty="0" smtClean="0"/>
+          </a:p>
+          <a:p>
+            <a:r>
+              <a:rPr lang="en-US" altLang="zh-CN" dirty="0"/>
+              <a:t>s</a:t>
+            </a:r>
+            <a:r>
+              <a:rPr lang="en-US" altLang="zh-CN" dirty="0" smtClean="0"/>
+              <a:t>erver.py</a:t>
+            </a:r>
+          </a:p>
+        </p:txBody>
+      </p:sp>
+      <p:pic>
+        <p:nvPicPr>
+          <p:cNvPr id="3075" name="Picture 3"/>
+          <p:cNvPicPr>
+            <a:picLocks noChangeAspect="1" noChangeArrowheads="1"/>
+          </p:cNvPicPr>
+          <p:nvPr/>
+        </p:nvPicPr>
+        <p:blipFill>
+          <a:blip r:embed="rId4">
+            <a:extLst>
+              <a:ext uri="{28A0092B-C50C-407E-A947-70E740481C1C}">
+                <a14:useLocalDpi xmlns:a14="http://schemas.microsoft.com/office/drawing/2010/main" val="0"/>
+              </a:ext>
+            </a:extLst>
+          </a:blip>
+          <a:srcRect/>
+          <a:stretch>
+            <a:fillRect/>
+          </a:stretch>
+        </p:blipFill>
+        <p:spPr bwMode="auto">
+          <a:xfrm>
+            <a:off x="129101" y="3278200"/>
+            <a:ext cx="10753725" cy="342900"/>
+          </a:xfrm>
+          <a:prstGeom prst="rect">
+            <a:avLst/>
+          </a:prstGeom>
+          <a:noFill/>
+          <a:ln>
+            <a:noFill/>
+          </a:ln>
+          <a:effectLst/>
+          <a:extLst>
+            <a:ext uri="{909E8E84-426E-40DD-AFC4-6F175D3DCCD1}">
+              <a14:hiddenFill xmlns:a14="http://schemas.microsoft.com/office/drawing/2010/main">
+                <a:solidFill>
+                  <a:schemeClr val="accent1"/>
+                </a:solidFill>
+              </a14:hiddenFill>
+            </a:ext>
+            <a:ext uri="{91240B29-F687-4F45-9708-019B960494DF}">
+              <a14:hiddenLine xmlns:a14="http://schemas.microsoft.com/office/drawing/2010/main" w="9525">
+                <a:solidFill>
+                  <a:schemeClr val="tx1"/>
+                </a:solidFill>
+                <a:miter lim="800000"/>
+                <a:headEnd/>
+                <a:tailEnd/>
+              </a14:hiddenLine>
+            </a:ext>
+            <a:ext uri="{AF507438-7753-43E0-B8FC-AC1667EBCBE1}">
+              <a14:hiddenEffects xmlns:a14="http://schemas.microsoft.com/office/drawing/2010/main">
+                <a:effectLst>
+                  <a:outerShdw dist="35921" dir="2700000" algn="ctr" rotWithShape="0">
+                    <a:schemeClr val="bg2"/>
+                  </a:outerShdw>
+                </a:effectLst>
+              </a14:hiddenEffects>
+            </a:ext>
+          </a:extLst>
+        </p:spPr>
+      </p:pic>
+      <p:sp>
+        <p:nvSpPr>
+          <p:cNvPr id="7" name="圆角矩形 6"/>
+          <p:cNvSpPr/>
+          <p:nvPr/>
+        </p:nvSpPr>
+        <p:spPr>
+          <a:xfrm>
+            <a:off x="4778477" y="4283869"/>
+            <a:ext cx="4036911" cy="1394259"/>
+          </a:xfrm>
+          <a:prstGeom prst="roundRect">
+            <a:avLst/>
+          </a:prstGeom>
+          <a:noFill/>
+        </p:spPr>
+        <p:style>
+          <a:lnRef idx="2">
+            <a:schemeClr val="accent1"/>
+          </a:lnRef>
+          <a:fillRef idx="1">
+            <a:schemeClr val="lt1"/>
+          </a:fillRef>
+          <a:effectRef idx="0">
+            <a:schemeClr val="accent1"/>
+          </a:effectRef>
+          <a:fontRef idx="minor">
+            <a:schemeClr val="dk1"/>
+          </a:fontRef>
+        </p:style>
+        <p:txBody>
+          <a:bodyPr rtlCol="0" anchor="ctr"/>
+          <a:lstStyle/>
+          <a:p>
+            <a:pPr algn="ctr"/>
+            <a:endParaRPr lang="zh-CN" altLang="en-US"/>
+          </a:p>
+        </p:txBody>
+      </p:sp>
+      <p:pic>
+        <p:nvPicPr>
+          <p:cNvPr id="3076" name="Picture 4"/>
+          <p:cNvPicPr>
+            <a:picLocks noChangeAspect="1" noChangeArrowheads="1"/>
+          </p:cNvPicPr>
+          <p:nvPr/>
+        </p:nvPicPr>
+        <p:blipFill>
+          <a:blip r:embed="rId5">
+            <a:extLst>
+              <a:ext uri="{28A0092B-C50C-407E-A947-70E740481C1C}">
+                <a14:useLocalDpi xmlns:a14="http://schemas.microsoft.com/office/drawing/2010/main" val="0"/>
+              </a:ext>
+            </a:extLst>
+          </a:blip>
+          <a:srcRect/>
+          <a:stretch>
+            <a:fillRect/>
+          </a:stretch>
+        </p:blipFill>
+        <p:spPr bwMode="auto">
+          <a:xfrm>
+            <a:off x="285748" y="4124325"/>
+            <a:ext cx="4029075" cy="2352675"/>
+          </a:xfrm>
+          <a:prstGeom prst="rect">
+            <a:avLst/>
+          </a:prstGeom>
+          <a:noFill/>
+          <a:ln>
+            <a:noFill/>
+          </a:ln>
+          <a:effectLst/>
+          <a:extLst>
+            <a:ext uri="{909E8E84-426E-40DD-AFC4-6F175D3DCCD1}">
+              <a14:hiddenFill xmlns:a14="http://schemas.microsoft.com/office/drawing/2010/main">
+                <a:solidFill>
+                  <a:schemeClr val="accent1"/>
+                </a:solidFill>
+              </a14:hiddenFill>
+            </a:ext>
+            <a:ext uri="{91240B29-F687-4F45-9708-019B960494DF}">
+              <a14:hiddenLine xmlns:a14="http://schemas.microsoft.com/office/drawing/2010/main" w="9525">
+                <a:solidFill>
+                  <a:schemeClr val="tx1"/>
+                </a:solidFill>
+                <a:miter lim="800000"/>
+                <a:headEnd/>
+                <a:tailEnd/>
+              </a14:hiddenLine>
+            </a:ext>
+            <a:ext uri="{AF507438-7753-43E0-B8FC-AC1667EBCBE1}">
+              <a14:hiddenEffects xmlns:a14="http://schemas.microsoft.com/office/drawing/2010/main">
+                <a:effectLst>
+                  <a:outerShdw dist="35921" dir="2700000" algn="ctr" rotWithShape="0">
+                    <a:schemeClr val="bg2"/>
+                  </a:outerShdw>
+                </a:effectLst>
+              </a14:hiddenEffects>
+            </a:ext>
+          </a:extLst>
+        </p:spPr>
+      </p:pic>
+    </p:spTree>
+    <p:extLst>
+      <p:ext uri="{BB962C8B-B14F-4D97-AF65-F5344CB8AC3E}">
+        <p14:creationId xmlns:p14="http://schemas.microsoft.com/office/powerpoint/2010/main" val="426384228"/>
+      </p:ext>
+    </p:extLst>
+  </p:cSld>
+  <p:clrMapOvr>
+    <a:masterClrMapping/>
+  </p:clrMapOvr>
+  <p:transition spd="slow">
+    <p:push dir="u"/>
+  </p:transition>
+  <p:timing>
+    <p:tnLst>
+      <p:par>
+        <p:cTn id="1" dur="indefinite" restart="never" nodeType="tmRoot">
+          <p:childTnLst>
+            <p:seq concurrent="1" nextAc="seek">
+              <p:cTn id="2" dur="indefinite" nodeType="mainSeq">
+                <p:childTnLst>
+                  <p:par>
+                    <p:cTn id="3" fill="hold">
+                      <p:stCondLst>
+                        <p:cond delay="indefinite"/>
+                      </p:stCondLst>
+                      <p:childTnLst>
+                        <p:par>
+                          <p:cTn id="4" fill="hold">
+                            <p:stCondLst>
+                              <p:cond delay="0"/>
+                            </p:stCondLst>
+                            <p:childTnLst>
+                              <p:par>
+                                <p:cTn id="5" presetID="10" presetClass="entr" presetSubtype="0" fill="hold" grpId="0" nodeType="clickEffect">
+                                  <p:stCondLst>
+                                    <p:cond delay="0"/>
+                                  </p:stCondLst>
+                                  <p:childTnLst>
+                                    <p:set>
+                                      <p:cBhvr>
+                                        <p:cTn id="6" dur="1" fill="hold">
+                                          <p:stCondLst>
+                                            <p:cond delay="0"/>
+                                          </p:stCondLst>
+                                        </p:cTn>
+                                        <p:tgtEl>
+                                          <p:spTgt spid="7"/>
+                                        </p:tgtEl>
+                                        <p:attrNameLst>
+                                          <p:attrName>style.visibility</p:attrName>
+                                        </p:attrNameLst>
+                                      </p:cBhvr>
+                                      <p:to>
+                                        <p:strVal val="visible"/>
+                                      </p:to>
+                                    </p:set>
+                                    <p:animEffect transition="in" filter="fade">
+                                      <p:cBhvr>
+                                        <p:cTn id="7" dur="500"/>
+                                        <p:tgtEl>
+                                          <p:spTgt spid="7"/>
+                                        </p:tgtEl>
+                                      </p:cBhvr>
+                                    </p:animEffect>
+                                  </p:childTnLst>
+                                </p:cTn>
+                              </p:par>
+                              <p:par>
+                                <p:cTn id="8" presetID="10" presetClass="entr" presetSubtype="0" fill="hold" grpId="0" nodeType="withEffect">
+                                  <p:stCondLst>
+                                    <p:cond delay="0"/>
+                                  </p:stCondLst>
+                                  <p:childTnLst>
+                                    <p:set>
+                                      <p:cBhvr>
+                                        <p:cTn id="9" dur="1" fill="hold">
+                                          <p:stCondLst>
+                                            <p:cond delay="0"/>
+                                          </p:stCondLst>
+                                        </p:cTn>
+                                        <p:tgtEl>
+                                          <p:spTgt spid="4"/>
+                                        </p:tgtEl>
+                                        <p:attrNameLst>
+                                          <p:attrName>style.visibility</p:attrName>
+                                        </p:attrNameLst>
+                                      </p:cBhvr>
+                                      <p:to>
+                                        <p:strVal val="visible"/>
+                                      </p:to>
+                                    </p:set>
+                                    <p:animEffect transition="in" filter="fade">
+                                      <p:cBhvr>
+                                        <p:cTn id="10" dur="500"/>
+                                        <p:tgtEl>
+                                          <p:spTgt spid="4"/>
+                                        </p:tgtEl>
+                                      </p:cBhvr>
+                                    </p:animEffect>
+                                  </p:childTnLst>
+                                </p:cTn>
+                              </p:par>
+                              <p:par>
+                                <p:cTn id="11" presetID="10" presetClass="entr" presetSubtype="0" fill="hold" nodeType="withEffect">
+                                  <p:stCondLst>
+                                    <p:cond delay="0"/>
+                                  </p:stCondLst>
+                                  <p:childTnLst>
+                                    <p:set>
+                                      <p:cBhvr>
+                                        <p:cTn id="12" dur="1" fill="hold">
+                                          <p:stCondLst>
+                                            <p:cond delay="0"/>
+                                          </p:stCondLst>
+                                        </p:cTn>
+                                        <p:tgtEl>
+                                          <p:spTgt spid="5"/>
+                                        </p:tgtEl>
+                                        <p:attrNameLst>
+                                          <p:attrName>style.visibility</p:attrName>
+                                        </p:attrNameLst>
+                                      </p:cBhvr>
+                                      <p:to>
+                                        <p:strVal val="visible"/>
+                                      </p:to>
+                                    </p:set>
+                                    <p:animEffect transition="in" filter="fade">
+                                      <p:cBhvr>
+                                        <p:cTn id="13" dur="500"/>
+                                        <p:tgtEl>
+                                          <p:spTgt spid="5"/>
+                                        </p:tgtEl>
+                                      </p:cBhvr>
+                                    </p:animEffect>
+                                  </p:childTnLst>
+                                </p:cTn>
+                              </p:par>
+                            </p:childTnLst>
+                          </p:cTn>
+                        </p:par>
+                      </p:childTnLst>
+                    </p:cTn>
+                  </p:par>
+                  <p:par>
+                    <p:cTn id="14" fill="hold">
+                      <p:stCondLst>
+                        <p:cond delay="indefinite"/>
+                      </p:stCondLst>
+                      <p:childTnLst>
+                        <p:par>
+                          <p:cTn id="15" fill="hold">
+                            <p:stCondLst>
+                              <p:cond delay="0"/>
+                            </p:stCondLst>
+                            <p:childTnLst>
+                              <p:par>
+                                <p:cTn id="16" presetID="10" presetClass="entr" presetSubtype="0" fill="hold" grpId="0" nodeType="clickEffect">
+                                  <p:stCondLst>
+                                    <p:cond delay="0"/>
+                                  </p:stCondLst>
+                                  <p:childTnLst>
+                                    <p:set>
+                                      <p:cBhvr>
+                                        <p:cTn id="17" dur="1" fill="hold">
+                                          <p:stCondLst>
+                                            <p:cond delay="0"/>
+                                          </p:stCondLst>
+                                        </p:cTn>
+                                        <p:tgtEl>
+                                          <p:spTgt spid="8"/>
+                                        </p:tgtEl>
+                                        <p:attrNameLst>
+                                          <p:attrName>style.visibility</p:attrName>
+                                        </p:attrNameLst>
+                                      </p:cBhvr>
+                                      <p:to>
+                                        <p:strVal val="visible"/>
+                                      </p:to>
+                                    </p:set>
+                                    <p:animEffect transition="in" filter="fade">
+                                      <p:cBhvr>
+                                        <p:cTn id="18" dur="500"/>
+                                        <p:tgtEl>
+                                          <p:spTgt spid="8"/>
+                                        </p:tgtEl>
+                                      </p:cBhvr>
+                                    </p:animEffect>
+                                  </p:childTnLst>
+                                </p:cTn>
+                              </p:par>
+                            </p:childTnLst>
+                          </p:cTn>
+                        </p:par>
+                      </p:childTnLst>
+                    </p:cTn>
+                  </p:par>
+                  <p:par>
+                    <p:cTn id="19" fill="hold">
+                      <p:stCondLst>
+                        <p:cond delay="indefinite"/>
+                      </p:stCondLst>
+                      <p:childTnLst>
+                        <p:par>
+                          <p:cTn id="20" fill="hold">
+                            <p:stCondLst>
+                              <p:cond delay="0"/>
+                            </p:stCondLst>
+                            <p:childTnLst>
+                              <p:par>
+                                <p:cTn id="21" presetID="10" presetClass="entr" presetSubtype="0" fill="hold" nodeType="clickEffect">
+                                  <p:stCondLst>
+                                    <p:cond delay="0"/>
+                                  </p:stCondLst>
+                                  <p:childTnLst>
+                                    <p:set>
+                                      <p:cBhvr>
+                                        <p:cTn id="22" dur="1" fill="hold">
+                                          <p:stCondLst>
+                                            <p:cond delay="0"/>
+                                          </p:stCondLst>
+                                        </p:cTn>
+                                        <p:tgtEl>
+                                          <p:spTgt spid="3074"/>
+                                        </p:tgtEl>
+                                        <p:attrNameLst>
+                                          <p:attrName>style.visibility</p:attrName>
+                                        </p:attrNameLst>
+                                      </p:cBhvr>
+                                      <p:to>
+                                        <p:strVal val="visible"/>
+                                      </p:to>
+                                    </p:set>
+                                    <p:animEffect transition="in" filter="fade">
+                                      <p:cBhvr>
+                                        <p:cTn id="23" dur="500"/>
+                                        <p:tgtEl>
+                                          <p:spTgt spid="3074"/>
+                                        </p:tgtEl>
+                                      </p:cBhvr>
+                                    </p:animEffect>
+                                  </p:childTnLst>
+                                </p:cTn>
+                              </p:par>
+                            </p:childTnLst>
+                          </p:cTn>
+                        </p:par>
+                      </p:childTnLst>
+                    </p:cTn>
+                  </p:par>
+                  <p:par>
+                    <p:cTn id="24" fill="hold">
+                      <p:stCondLst>
+                        <p:cond delay="indefinite"/>
+                      </p:stCondLst>
+                      <p:childTnLst>
+                        <p:par>
+                          <p:cTn id="25" fill="hold">
+                            <p:stCondLst>
+                              <p:cond delay="0"/>
+                            </p:stCondLst>
+                            <p:childTnLst>
+                              <p:par>
+                                <p:cTn id="26" presetID="10" presetClass="entr" presetSubtype="0" fill="hold" nodeType="clickEffect">
+                                  <p:stCondLst>
+                                    <p:cond delay="0"/>
+                                  </p:stCondLst>
+                                  <p:childTnLst>
+                                    <p:set>
+                                      <p:cBhvr>
+                                        <p:cTn id="27" dur="1" fill="hold">
+                                          <p:stCondLst>
+                                            <p:cond delay="0"/>
+                                          </p:stCondLst>
+                                        </p:cTn>
+                                        <p:tgtEl>
+                                          <p:spTgt spid="3075"/>
+                                        </p:tgtEl>
+                                        <p:attrNameLst>
+                                          <p:attrName>style.visibility</p:attrName>
+                                        </p:attrNameLst>
+                                      </p:cBhvr>
+                                      <p:to>
+                                        <p:strVal val="visible"/>
+                                      </p:to>
+                                    </p:set>
+                                    <p:animEffect transition="in" filter="fade">
+                                      <p:cBhvr>
+                                        <p:cTn id="28" dur="500"/>
+                                        <p:tgtEl>
+                                          <p:spTgt spid="3075"/>
+                                        </p:tgtEl>
+                                      </p:cBhvr>
+                                    </p:animEffect>
+                                  </p:childTnLst>
+                                </p:cTn>
+                              </p:par>
+                            </p:childTnLst>
+                          </p:cTn>
+                        </p:par>
+                      </p:childTnLst>
+                    </p:cTn>
+                  </p:par>
+                  <p:par>
+                    <p:cTn id="29" fill="hold">
+                      <p:stCondLst>
+                        <p:cond delay="indefinite"/>
+                      </p:stCondLst>
+                      <p:childTnLst>
+                        <p:par>
+                          <p:cTn id="30" fill="hold">
+                            <p:stCondLst>
+                              <p:cond delay="0"/>
+                            </p:stCondLst>
+                            <p:childTnLst>
+                              <p:par>
+                                <p:cTn id="31" presetID="10" presetClass="entr" presetSubtype="0" fill="hold" nodeType="clickEffect">
+                                  <p:stCondLst>
+                                    <p:cond delay="0"/>
+                                  </p:stCondLst>
+                                  <p:childTnLst>
+                                    <p:set>
+                                      <p:cBhvr>
+                                        <p:cTn id="32" dur="1" fill="hold">
+                                          <p:stCondLst>
+                                            <p:cond delay="0"/>
+                                          </p:stCondLst>
+                                        </p:cTn>
+                                        <p:tgtEl>
+                                          <p:spTgt spid="3076"/>
+                                        </p:tgtEl>
+                                        <p:attrNameLst>
+                                          <p:attrName>style.visibility</p:attrName>
+                                        </p:attrNameLst>
+                                      </p:cBhvr>
+                                      <p:to>
+                                        <p:strVal val="visible"/>
+                                      </p:to>
+                                    </p:set>
+                                    <p:animEffect transition="in" filter="fade">
+                                      <p:cBhvr>
+                                        <p:cTn id="33" dur="500"/>
+                                        <p:tgtEl>
+                                          <p:spTgt spid="3076"/>
+                                        </p:tgtEl>
+                                      </p:cBhvr>
+                                    </p:animEffect>
+                                  </p:childTnLst>
+                                </p:cTn>
+                              </p:par>
+                            </p:childTnLst>
+                          </p:cTn>
+                        </p:par>
+                      </p:childTnLst>
+                    </p:cTn>
+                  </p:par>
+                </p:childTnLst>
+              </p:cTn>
+              <p:prevCondLst>
+                <p:cond evt="onPrev" delay="0">
+                  <p:tgtEl>
+                    <p:sldTgt/>
+                  </p:tgtEl>
+                </p:cond>
+              </p:prevCondLst>
+              <p:nextCondLst>
+                <p:cond evt="onNext" delay="0">
+                  <p:tgtEl>
+                    <p:sldTgt/>
+                  </p:tgtEl>
+                </p:cond>
+              </p:nextCondLst>
+            </p:seq>
+          </p:childTnLst>
+        </p:cTn>
+      </p:par>
+    </p:tnLst>
+    <p:bldLst>
+      <p:bldP spid="4" grpId="0" animBg="1"/>
+      <p:bldP spid="8" grpId="0"/>
+      <p:bldP spid="7" grpId="0" animBg="1"/>
+    </p:bldLst>
+  </p:timing>
+</p:sld>
+</file>
+
+<file path=ppt/slides/slide5.xml><?xml version="1.0" encoding="utf-8"?>
+<p:sld xmlns:a="http://schemas.openxmlformats.org/drawingml/2006/main" xmlns:r="http://schemas.openxmlformats.org/officeDocument/2006/relationships" xmlns:p="http://schemas.openxmlformats.org/presentationml/2006/main">
+  <p:cSld>
+    <p:spTree>
+      <p:nvGrpSpPr>
+        <p:cNvPr id="1" name=""/>
+        <p:cNvGrpSpPr/>
+        <p:nvPr/>
+      </p:nvGrpSpPr>
+      <p:grpSpPr>
+        <a:xfrm>
+          <a:off x="0" y="0"/>
+          <a:ext cx="0" cy="0"/>
+          <a:chOff x="0" y="0"/>
+          <a:chExt cx="0" cy="0"/>
+        </a:xfrm>
+      </p:grpSpPr>
       <p:pic>
         <p:nvPicPr>
           <p:cNvPr id="1026" name="Picture 2" descr="onnection, request states"/>
@@ -3406,6 +5619,72 @@
       </p:pic>
       <p:sp>
         <p:nvSpPr>
+          <p:cNvPr id="2" name="标题 1"/>
+          <p:cNvSpPr>
+            <a:spLocks noGrp="1"/>
+          </p:cNvSpPr>
+          <p:nvPr>
+            <p:ph type="title"/>
+          </p:nvPr>
+        </p:nvSpPr>
+        <p:spPr/>
+        <p:txBody>
+          <a:bodyPr/>
+          <a:lstStyle/>
+          <a:p>
+            <a:r>
+              <a:rPr kumimoji="1" lang="en-US" altLang="zh-CN" dirty="0" err="1"/>
+              <a:t>Nginx</a:t>
+            </a:r>
+            <a:r>
+              <a:rPr kumimoji="1" lang="zh-CN" altLang="en-US" dirty="0"/>
+              <a:t>状态</a:t>
+            </a:r>
+            <a:r>
+              <a:rPr kumimoji="1" lang="zh-CN" altLang="en-US" dirty="0" smtClean="0"/>
+              <a:t>监控</a:t>
+            </a:r>
+            <a:r>
+              <a:rPr kumimoji="1" lang="en-US" altLang="zh-CN" dirty="0" smtClean="0"/>
+              <a:t>-</a:t>
+            </a:r>
+            <a:r>
+              <a:rPr lang="zh-CN" altLang="en-US" dirty="0" smtClean="0"/>
+              <a:t>客户</a:t>
+            </a:r>
+            <a:r>
+              <a:rPr lang="zh-CN" altLang="en-US" dirty="0"/>
+              <a:t>端</a:t>
+            </a:r>
+            <a:r>
+              <a:rPr lang="zh-CN" altLang="en-US" dirty="0" smtClean="0"/>
+              <a:t>连接过程</a:t>
+            </a:r>
+            <a:endParaRPr kumimoji="1" lang="zh-CN" altLang="en-US" dirty="0"/>
+          </a:p>
+        </p:txBody>
+      </p:sp>
+      <p:sp>
+        <p:nvSpPr>
+          <p:cNvPr id="3" name="内容占位符 2"/>
+          <p:cNvSpPr>
+            <a:spLocks noGrp="1"/>
+          </p:cNvSpPr>
+          <p:nvPr>
+            <p:ph idx="1"/>
+          </p:nvPr>
+        </p:nvSpPr>
+        <p:spPr/>
+        <p:txBody>
+          <a:bodyPr/>
+          <a:lstStyle/>
+          <a:p>
+            <a:endParaRPr kumimoji="1" lang="zh-CN" altLang="en-US"/>
+          </a:p>
+        </p:txBody>
+      </p:sp>
+      <p:sp>
+        <p:nvSpPr>
           <p:cNvPr id="5" name="圆角矩形 4"/>
           <p:cNvSpPr/>
           <p:nvPr/>
@@ -3546,10 +5825,20 @@
   <p:clrMapOvr>
     <a:masterClrMapping/>
   </p:clrMapOvr>
+  <p:transition spd="slow">
+    <p:push dir="u"/>
+  </p:transition>
+  <p:timing>
+    <p:tnLst>
+      <p:par>
+        <p:cTn id="1" dur="indefinite" restart="never" nodeType="tmRoot"/>
+      </p:par>
+    </p:tnLst>
+  </p:timing>
 </p:sld>
 </file>
 
-<file path=ppt/slides/slide3.xml><?xml version="1.0" encoding="utf-8"?>
+<file path=ppt/slides/slide6.xml><?xml version="1.0" encoding="utf-8"?>
 <p:sld xmlns:a="http://schemas.openxmlformats.org/drawingml/2006/main" xmlns:r="http://schemas.openxmlformats.org/officeDocument/2006/relationships" xmlns:p="http://schemas.openxmlformats.org/presentationml/2006/main">
   <p:cSld>
     <p:spTree>
@@ -4106,10 +6395,20 @@
   <p:clrMapOvr>
     <a:masterClrMapping/>
   </p:clrMapOvr>
+  <p:transition spd="slow">
+    <p:push dir="u"/>
+  </p:transition>
+  <p:timing>
+    <p:tnLst>
+      <p:par>
+        <p:cTn id="1" dur="indefinite" restart="never" nodeType="tmRoot"/>
+      </p:par>
+    </p:tnLst>
+  </p:timing>
 </p:sld>
 </file>
 
-<file path=ppt/slides/slide4.xml><?xml version="1.0" encoding="utf-8"?>
+<file path=ppt/slides/slide7.xml><?xml version="1.0" encoding="utf-8"?>
 <p:sld xmlns:a="http://schemas.openxmlformats.org/drawingml/2006/main" xmlns:r="http://schemas.openxmlformats.org/officeDocument/2006/relationships" xmlns:p="http://schemas.openxmlformats.org/presentationml/2006/main">
   <p:cSld>
     <p:spTree>
@@ -4167,32 +6466,77 @@
           <a:bodyPr/>
           <a:lstStyle/>
           <a:p>
-            <a:r>
-              <a:rPr kumimoji="1" lang="zh-CN" altLang="en-US" dirty="0" smtClean="0"/>
-              <a:t>已完成：状态信息获取</a:t>
-            </a:r>
-          </a:p>
-          <a:p>
-            <a:r>
-              <a:rPr kumimoji="1" lang="en-US" altLang="zh-CN" dirty="0" smtClean="0"/>
-              <a:t>To</a:t>
-            </a:r>
-            <a:r>
-              <a:rPr kumimoji="1" lang="zh-CN" altLang="en-US" dirty="0" smtClean="0"/>
-              <a:t> </a:t>
-            </a:r>
-            <a:r>
-              <a:rPr kumimoji="1" lang="en-US" altLang="zh-CN" dirty="0" smtClean="0"/>
-              <a:t>Do</a:t>
-            </a:r>
-            <a:r>
-              <a:rPr kumimoji="1" lang="zh-CN" altLang="en-US" dirty="0" smtClean="0"/>
-              <a:t>：界面展示</a:t>
-            </a:r>
-            <a:endParaRPr kumimoji="1" lang="zh-CN" altLang="en-US" dirty="0"/>
-          </a:p>
-        </p:txBody>
-      </p:sp>
+            <a:pPr marL="0" indent="0">
+              <a:buNone/>
+            </a:pPr>
+            <a:endParaRPr kumimoji="1" lang="zh-CN" altLang="en-US" dirty="0" smtClean="0"/>
+          </a:p>
+        </p:txBody>
+      </p:sp>
+      <p:pic>
+        <p:nvPicPr>
+          <p:cNvPr id="2050" name="Picture 2"/>
+          <p:cNvPicPr>
+            <a:picLocks noChangeAspect="1" noChangeArrowheads="1"/>
+          </p:cNvPicPr>
+          <p:nvPr/>
+        </p:nvPicPr>
+        <p:blipFill>
+          <a:blip r:embed="rId2">
+            <a:extLst>
+              <a:ext uri="{28A0092B-C50C-407E-A947-70E740481C1C}">
+                <a14:useLocalDpi xmlns:a14="http://schemas.microsoft.com/office/drawing/2010/main" val="0"/>
+              </a:ext>
+            </a:extLst>
+          </a:blip>
+          <a:srcRect/>
+          <a:stretch>
+            <a:fillRect/>
+          </a:stretch>
+        </p:blipFill>
+        <p:spPr bwMode="auto">
+          <a:xfrm>
+            <a:off x="1928811" y="1581244"/>
+            <a:ext cx="4886327" cy="5119593"/>
+          </a:xfrm>
+          <a:prstGeom prst="rect">
+            <a:avLst/>
+          </a:prstGeom>
+          <a:noFill/>
+          <a:ln>
+            <a:noFill/>
+          </a:ln>
+          <a:effectLst/>
+          <a:extLst>
+            <a:ext uri="{909E8E84-426E-40DD-AFC4-6F175D3DCCD1}">
+              <a14:hiddenFill xmlns:a14="http://schemas.microsoft.com/office/drawing/2010/main">
+                <a:solidFill>
+                  <a:schemeClr val="accent1"/>
+                </a:solidFill>
+              </a14:hiddenFill>
+            </a:ext>
+            <a:ext uri="{91240B29-F687-4F45-9708-019B960494DF}">
+              <a14:hiddenLine xmlns:a14="http://schemas.microsoft.com/office/drawing/2010/main" w="9525">
+                <a:solidFill>
+                  <a:schemeClr val="tx1"/>
+                </a:solidFill>
+                <a:miter lim="800000"/>
+                <a:headEnd/>
+                <a:tailEnd/>
+              </a14:hiddenLine>
+            </a:ext>
+            <a:ext uri="{AF507438-7753-43E0-B8FC-AC1667EBCBE1}">
+              <a14:hiddenEffects xmlns:a14="http://schemas.microsoft.com/office/drawing/2010/main">
+                <a:effectLst>
+                  <a:outerShdw dist="35921" dir="2700000" algn="ctr" rotWithShape="0">
+                    <a:schemeClr val="bg2"/>
+                  </a:outerShdw>
+                </a:effectLst>
+              </a14:hiddenEffects>
+            </a:ext>
+          </a:extLst>
+        </p:spPr>
+      </p:pic>
     </p:spTree>
     <p:extLst>
       <p:ext uri="{BB962C8B-B14F-4D97-AF65-F5344CB8AC3E}">
@@ -4203,6 +6547,643 @@
   <p:clrMapOvr>
     <a:masterClrMapping/>
   </p:clrMapOvr>
+  <p:transition spd="slow">
+    <p:push dir="u"/>
+  </p:transition>
+  <p:timing>
+    <p:tnLst>
+      <p:par>
+        <p:cTn id="1" dur="indefinite" restart="never" nodeType="tmRoot"/>
+      </p:par>
+    </p:tnLst>
+  </p:timing>
+</p:sld>
+</file>
+
+<file path=ppt/slides/slide8.xml><?xml version="1.0" encoding="utf-8"?>
+<p:sld xmlns:a="http://schemas.openxmlformats.org/drawingml/2006/main" xmlns:r="http://schemas.openxmlformats.org/officeDocument/2006/relationships" xmlns:p="http://schemas.openxmlformats.org/presentationml/2006/main">
+  <p:cSld>
+    <p:spTree>
+      <p:nvGrpSpPr>
+        <p:cNvPr id="1" name=""/>
+        <p:cNvGrpSpPr/>
+        <p:nvPr/>
+      </p:nvGrpSpPr>
+      <p:grpSpPr>
+        <a:xfrm>
+          <a:off x="0" y="0"/>
+          <a:ext cx="0" cy="0"/>
+          <a:chOff x="0" y="0"/>
+          <a:chExt cx="0" cy="0"/>
+        </a:xfrm>
+      </p:grpSpPr>
+      <p:sp>
+        <p:nvSpPr>
+          <p:cNvPr id="2" name="标题 1"/>
+          <p:cNvSpPr>
+            <a:spLocks noGrp="1"/>
+          </p:cNvSpPr>
+          <p:nvPr>
+            <p:ph type="title"/>
+          </p:nvPr>
+        </p:nvSpPr>
+        <p:spPr/>
+        <p:txBody>
+          <a:bodyPr/>
+          <a:lstStyle/>
+          <a:p>
+            <a:r>
+              <a:rPr lang="en-US" altLang="zh-CN" dirty="0" smtClean="0"/>
+              <a:t>To Do</a:t>
+            </a:r>
+            <a:r>
+              <a:rPr lang="en-US" altLang="zh-CN" dirty="0"/>
+              <a:t>(</a:t>
+            </a:r>
+            <a:r>
+              <a:rPr lang="en-US" altLang="zh-CN" dirty="0" smtClean="0"/>
+              <a:t>maybe)</a:t>
+            </a:r>
+            <a:endParaRPr lang="zh-CN" altLang="en-US" dirty="0"/>
+          </a:p>
+        </p:txBody>
+      </p:sp>
+      <p:sp>
+        <p:nvSpPr>
+          <p:cNvPr id="3" name="内容占位符 2"/>
+          <p:cNvSpPr>
+            <a:spLocks noGrp="1"/>
+          </p:cNvSpPr>
+          <p:nvPr>
+            <p:ph idx="1"/>
+          </p:nvPr>
+        </p:nvSpPr>
+        <p:spPr/>
+        <p:txBody>
+          <a:bodyPr/>
+          <a:lstStyle/>
+          <a:p>
+            <a:r>
+              <a:rPr lang="zh-CN" altLang="en-US" dirty="0" smtClean="0"/>
+              <a:t>合法性检验的图形展示</a:t>
+            </a:r>
+            <a:endParaRPr lang="en-US" altLang="zh-CN" dirty="0" smtClean="0"/>
+          </a:p>
+          <a:p>
+            <a:r>
+              <a:rPr lang="zh-CN" altLang="en-US" dirty="0" smtClean="0"/>
+              <a:t>细化</a:t>
+            </a:r>
+            <a:r>
+              <a:rPr lang="en-US" altLang="zh-CN" dirty="0" smtClean="0"/>
+              <a:t>Server</a:t>
+            </a:r>
+            <a:r>
+              <a:rPr lang="zh-CN" altLang="en-US" dirty="0" smtClean="0"/>
+              <a:t>配置</a:t>
+            </a:r>
+            <a:endParaRPr lang="en-US" altLang="zh-CN" dirty="0"/>
+          </a:p>
+          <a:p>
+            <a:r>
+              <a:rPr lang="zh-CN" altLang="en-US" dirty="0" smtClean="0"/>
+              <a:t>基于</a:t>
+            </a:r>
+            <a:r>
+              <a:rPr lang="zh-CN" altLang="en-US" dirty="0"/>
+              <a:t>机器性能的</a:t>
+            </a:r>
+            <a:r>
+              <a:rPr lang="zh-CN" altLang="en-US" dirty="0" smtClean="0"/>
+              <a:t>推荐配置的独立模块</a:t>
+            </a:r>
+            <a:endParaRPr lang="en-US" altLang="zh-CN" dirty="0"/>
+          </a:p>
+          <a:p>
+            <a:r>
+              <a:rPr lang="zh-CN" altLang="en-US" dirty="0"/>
+              <a:t>支持更多</a:t>
+            </a:r>
+            <a:r>
+              <a:rPr lang="zh-CN" altLang="en-US" dirty="0" smtClean="0"/>
+              <a:t>操作系统</a:t>
+            </a:r>
+            <a:r>
+              <a:rPr lang="en-US" altLang="zh-CN" dirty="0" smtClean="0"/>
+              <a:t>now:</a:t>
+            </a:r>
+          </a:p>
+          <a:p>
+            <a:pPr lvl="1"/>
+            <a:r>
+              <a:rPr lang="en-US" altLang="zh-CN" dirty="0" err="1"/>
+              <a:t>l</a:t>
+            </a:r>
+            <a:r>
+              <a:rPr lang="en-US" altLang="zh-CN" dirty="0" err="1" smtClean="0"/>
+              <a:t>inux</a:t>
+            </a:r>
+            <a:r>
+              <a:rPr lang="en-US" altLang="zh-CN" dirty="0" smtClean="0"/>
+              <a:t>(full)</a:t>
+            </a:r>
+          </a:p>
+          <a:p>
+            <a:pPr lvl="1"/>
+            <a:r>
+              <a:rPr lang="en-US" altLang="zh-CN" dirty="0" smtClean="0"/>
+              <a:t>windows(partly)</a:t>
+            </a:r>
+          </a:p>
+          <a:p>
+            <a:pPr lvl="1"/>
+            <a:r>
+              <a:rPr lang="en-US" altLang="zh-CN" dirty="0" smtClean="0"/>
+              <a:t>Mac OS(not)</a:t>
+            </a:r>
+          </a:p>
+          <a:p>
+            <a:pPr lvl="1"/>
+            <a:endParaRPr lang="en-US" altLang="zh-CN" dirty="0"/>
+          </a:p>
+          <a:p>
+            <a:endParaRPr lang="zh-CN" altLang="en-US" dirty="0"/>
+          </a:p>
+        </p:txBody>
+      </p:sp>
+    </p:spTree>
+    <p:extLst>
+      <p:ext uri="{BB962C8B-B14F-4D97-AF65-F5344CB8AC3E}">
+        <p14:creationId xmlns:p14="http://schemas.microsoft.com/office/powerpoint/2010/main" val="1157092109"/>
+      </p:ext>
+    </p:extLst>
+  </p:cSld>
+  <p:clrMapOvr>
+    <a:masterClrMapping/>
+  </p:clrMapOvr>
+  <p:transition spd="slow">
+    <p:push dir="u"/>
+  </p:transition>
+  <p:timing>
+    <p:tnLst>
+      <p:par>
+        <p:cTn id="1" dur="indefinite" restart="never" nodeType="tmRoot">
+          <p:childTnLst>
+            <p:seq concurrent="1" nextAc="seek">
+              <p:cTn id="2" dur="indefinite" nodeType="mainSeq">
+                <p:childTnLst>
+                  <p:par>
+                    <p:cTn id="3" fill="hold">
+                      <p:stCondLst>
+                        <p:cond delay="indefinite"/>
+                      </p:stCondLst>
+                      <p:childTnLst>
+                        <p:par>
+                          <p:cTn id="4" fill="hold">
+                            <p:stCondLst>
+                              <p:cond delay="0"/>
+                            </p:stCondLst>
+                            <p:childTnLst>
+                              <p:par>
+                                <p:cTn id="5" presetID="10" presetClass="entr" presetSubtype="0" fill="hold" grpId="0" nodeType="clickEffect">
+                                  <p:stCondLst>
+                                    <p:cond delay="0"/>
+                                  </p:stCondLst>
+                                  <p:childTnLst>
+                                    <p:set>
+                                      <p:cBhvr>
+                                        <p:cTn id="6" dur="1" fill="hold">
+                                          <p:stCondLst>
+                                            <p:cond delay="0"/>
+                                          </p:stCondLst>
+                                        </p:cTn>
+                                        <p:tgtEl>
+                                          <p:spTgt spid="3">
+                                            <p:txEl>
+                                              <p:pRg st="0" end="0"/>
+                                            </p:txEl>
+                                          </p:spTgt>
+                                        </p:tgtEl>
+                                        <p:attrNameLst>
+                                          <p:attrName>style.visibility</p:attrName>
+                                        </p:attrNameLst>
+                                      </p:cBhvr>
+                                      <p:to>
+                                        <p:strVal val="visible"/>
+                                      </p:to>
+                                    </p:set>
+                                    <p:animEffect transition="in" filter="fade">
+                                      <p:cBhvr>
+                                        <p:cTn id="7" dur="500"/>
+                                        <p:tgtEl>
+                                          <p:spTgt spid="3">
+                                            <p:txEl>
+                                              <p:pRg st="0" end="0"/>
+                                            </p:txEl>
+                                          </p:spTgt>
+                                        </p:tgtEl>
+                                      </p:cBhvr>
+                                    </p:animEffect>
+                                  </p:childTnLst>
+                                </p:cTn>
+                              </p:par>
+                            </p:childTnLst>
+                          </p:cTn>
+                        </p:par>
+                      </p:childTnLst>
+                    </p:cTn>
+                  </p:par>
+                  <p:par>
+                    <p:cTn id="8" fill="hold">
+                      <p:stCondLst>
+                        <p:cond delay="indefinite"/>
+                      </p:stCondLst>
+                      <p:childTnLst>
+                        <p:par>
+                          <p:cTn id="9" fill="hold">
+                            <p:stCondLst>
+                              <p:cond delay="0"/>
+                            </p:stCondLst>
+                            <p:childTnLst>
+                              <p:par>
+                                <p:cTn id="10" presetID="10" presetClass="entr" presetSubtype="0" fill="hold" grpId="0" nodeType="clickEffect">
+                                  <p:stCondLst>
+                                    <p:cond delay="0"/>
+                                  </p:stCondLst>
+                                  <p:childTnLst>
+                                    <p:set>
+                                      <p:cBhvr>
+                                        <p:cTn id="11" dur="1" fill="hold">
+                                          <p:stCondLst>
+                                            <p:cond delay="0"/>
+                                          </p:stCondLst>
+                                        </p:cTn>
+                                        <p:tgtEl>
+                                          <p:spTgt spid="3">
+                                            <p:txEl>
+                                              <p:pRg st="1" end="1"/>
+                                            </p:txEl>
+                                          </p:spTgt>
+                                        </p:tgtEl>
+                                        <p:attrNameLst>
+                                          <p:attrName>style.visibility</p:attrName>
+                                        </p:attrNameLst>
+                                      </p:cBhvr>
+                                      <p:to>
+                                        <p:strVal val="visible"/>
+                                      </p:to>
+                                    </p:set>
+                                    <p:animEffect transition="in" filter="fade">
+                                      <p:cBhvr>
+                                        <p:cTn id="12" dur="500"/>
+                                        <p:tgtEl>
+                                          <p:spTgt spid="3">
+                                            <p:txEl>
+                                              <p:pRg st="1" end="1"/>
+                                            </p:txEl>
+                                          </p:spTgt>
+                                        </p:tgtEl>
+                                      </p:cBhvr>
+                                    </p:animEffect>
+                                  </p:childTnLst>
+                                </p:cTn>
+                              </p:par>
+                            </p:childTnLst>
+                          </p:cTn>
+                        </p:par>
+                      </p:childTnLst>
+                    </p:cTn>
+                  </p:par>
+                  <p:par>
+                    <p:cTn id="13" fill="hold">
+                      <p:stCondLst>
+                        <p:cond delay="indefinite"/>
+                      </p:stCondLst>
+                      <p:childTnLst>
+                        <p:par>
+                          <p:cTn id="14" fill="hold">
+                            <p:stCondLst>
+                              <p:cond delay="0"/>
+                            </p:stCondLst>
+                            <p:childTnLst>
+                              <p:par>
+                                <p:cTn id="15" presetID="10" presetClass="entr" presetSubtype="0" fill="hold" grpId="0" nodeType="clickEffect">
+                                  <p:stCondLst>
+                                    <p:cond delay="0"/>
+                                  </p:stCondLst>
+                                  <p:childTnLst>
+                                    <p:set>
+                                      <p:cBhvr>
+                                        <p:cTn id="16" dur="1" fill="hold">
+                                          <p:stCondLst>
+                                            <p:cond delay="0"/>
+                                          </p:stCondLst>
+                                        </p:cTn>
+                                        <p:tgtEl>
+                                          <p:spTgt spid="3">
+                                            <p:txEl>
+                                              <p:pRg st="2" end="2"/>
+                                            </p:txEl>
+                                          </p:spTgt>
+                                        </p:tgtEl>
+                                        <p:attrNameLst>
+                                          <p:attrName>style.visibility</p:attrName>
+                                        </p:attrNameLst>
+                                      </p:cBhvr>
+                                      <p:to>
+                                        <p:strVal val="visible"/>
+                                      </p:to>
+                                    </p:set>
+                                    <p:animEffect transition="in" filter="fade">
+                                      <p:cBhvr>
+                                        <p:cTn id="17" dur="500"/>
+                                        <p:tgtEl>
+                                          <p:spTgt spid="3">
+                                            <p:txEl>
+                                              <p:pRg st="2" end="2"/>
+                                            </p:txEl>
+                                          </p:spTgt>
+                                        </p:tgtEl>
+                                      </p:cBhvr>
+                                    </p:animEffect>
+                                  </p:childTnLst>
+                                </p:cTn>
+                              </p:par>
+                            </p:childTnLst>
+                          </p:cTn>
+                        </p:par>
+                      </p:childTnLst>
+                    </p:cTn>
+                  </p:par>
+                  <p:par>
+                    <p:cTn id="18" fill="hold">
+                      <p:stCondLst>
+                        <p:cond delay="indefinite"/>
+                      </p:stCondLst>
+                      <p:childTnLst>
+                        <p:par>
+                          <p:cTn id="19" fill="hold">
+                            <p:stCondLst>
+                              <p:cond delay="0"/>
+                            </p:stCondLst>
+                            <p:childTnLst>
+                              <p:par>
+                                <p:cTn id="20" presetID="10" presetClass="entr" presetSubtype="0" fill="hold" grpId="0" nodeType="clickEffect">
+                                  <p:stCondLst>
+                                    <p:cond delay="0"/>
+                                  </p:stCondLst>
+                                  <p:childTnLst>
+                                    <p:set>
+                                      <p:cBhvr>
+                                        <p:cTn id="21" dur="1" fill="hold">
+                                          <p:stCondLst>
+                                            <p:cond delay="0"/>
+                                          </p:stCondLst>
+                                        </p:cTn>
+                                        <p:tgtEl>
+                                          <p:spTgt spid="3">
+                                            <p:txEl>
+                                              <p:pRg st="3" end="3"/>
+                                            </p:txEl>
+                                          </p:spTgt>
+                                        </p:tgtEl>
+                                        <p:attrNameLst>
+                                          <p:attrName>style.visibility</p:attrName>
+                                        </p:attrNameLst>
+                                      </p:cBhvr>
+                                      <p:to>
+                                        <p:strVal val="visible"/>
+                                      </p:to>
+                                    </p:set>
+                                    <p:animEffect transition="in" filter="fade">
+                                      <p:cBhvr>
+                                        <p:cTn id="22" dur="500"/>
+                                        <p:tgtEl>
+                                          <p:spTgt spid="3">
+                                            <p:txEl>
+                                              <p:pRg st="3" end="3"/>
+                                            </p:txEl>
+                                          </p:spTgt>
+                                        </p:tgtEl>
+                                      </p:cBhvr>
+                                    </p:animEffect>
+                                  </p:childTnLst>
+                                </p:cTn>
+                              </p:par>
+                            </p:childTnLst>
+                          </p:cTn>
+                        </p:par>
+                      </p:childTnLst>
+                    </p:cTn>
+                  </p:par>
+                  <p:par>
+                    <p:cTn id="23" fill="hold">
+                      <p:stCondLst>
+                        <p:cond delay="indefinite"/>
+                      </p:stCondLst>
+                      <p:childTnLst>
+                        <p:par>
+                          <p:cTn id="24" fill="hold">
+                            <p:stCondLst>
+                              <p:cond delay="0"/>
+                            </p:stCondLst>
+                            <p:childTnLst>
+                              <p:par>
+                                <p:cTn id="25" presetID="10" presetClass="entr" presetSubtype="0" fill="hold" grpId="0" nodeType="clickEffect">
+                                  <p:stCondLst>
+                                    <p:cond delay="0"/>
+                                  </p:stCondLst>
+                                  <p:childTnLst>
+                                    <p:set>
+                                      <p:cBhvr>
+                                        <p:cTn id="26" dur="1" fill="hold">
+                                          <p:stCondLst>
+                                            <p:cond delay="0"/>
+                                          </p:stCondLst>
+                                        </p:cTn>
+                                        <p:tgtEl>
+                                          <p:spTgt spid="3">
+                                            <p:txEl>
+                                              <p:pRg st="4" end="4"/>
+                                            </p:txEl>
+                                          </p:spTgt>
+                                        </p:tgtEl>
+                                        <p:attrNameLst>
+                                          <p:attrName>style.visibility</p:attrName>
+                                        </p:attrNameLst>
+                                      </p:cBhvr>
+                                      <p:to>
+                                        <p:strVal val="visible"/>
+                                      </p:to>
+                                    </p:set>
+                                    <p:animEffect transition="in" filter="fade">
+                                      <p:cBhvr>
+                                        <p:cTn id="27" dur="500"/>
+                                        <p:tgtEl>
+                                          <p:spTgt spid="3">
+                                            <p:txEl>
+                                              <p:pRg st="4" end="4"/>
+                                            </p:txEl>
+                                          </p:spTgt>
+                                        </p:tgtEl>
+                                      </p:cBhvr>
+                                    </p:animEffect>
+                                  </p:childTnLst>
+                                </p:cTn>
+                              </p:par>
+                            </p:childTnLst>
+                          </p:cTn>
+                        </p:par>
+                      </p:childTnLst>
+                    </p:cTn>
+                  </p:par>
+                  <p:par>
+                    <p:cTn id="28" fill="hold">
+                      <p:stCondLst>
+                        <p:cond delay="indefinite"/>
+                      </p:stCondLst>
+                      <p:childTnLst>
+                        <p:par>
+                          <p:cTn id="29" fill="hold">
+                            <p:stCondLst>
+                              <p:cond delay="0"/>
+                            </p:stCondLst>
+                            <p:childTnLst>
+                              <p:par>
+                                <p:cTn id="30" presetID="10" presetClass="entr" presetSubtype="0" fill="hold" grpId="0" nodeType="clickEffect">
+                                  <p:stCondLst>
+                                    <p:cond delay="0"/>
+                                  </p:stCondLst>
+                                  <p:childTnLst>
+                                    <p:set>
+                                      <p:cBhvr>
+                                        <p:cTn id="31" dur="1" fill="hold">
+                                          <p:stCondLst>
+                                            <p:cond delay="0"/>
+                                          </p:stCondLst>
+                                        </p:cTn>
+                                        <p:tgtEl>
+                                          <p:spTgt spid="3">
+                                            <p:txEl>
+                                              <p:pRg st="5" end="5"/>
+                                            </p:txEl>
+                                          </p:spTgt>
+                                        </p:tgtEl>
+                                        <p:attrNameLst>
+                                          <p:attrName>style.visibility</p:attrName>
+                                        </p:attrNameLst>
+                                      </p:cBhvr>
+                                      <p:to>
+                                        <p:strVal val="visible"/>
+                                      </p:to>
+                                    </p:set>
+                                    <p:animEffect transition="in" filter="fade">
+                                      <p:cBhvr>
+                                        <p:cTn id="32" dur="500"/>
+                                        <p:tgtEl>
+                                          <p:spTgt spid="3">
+                                            <p:txEl>
+                                              <p:pRg st="5" end="5"/>
+                                            </p:txEl>
+                                          </p:spTgt>
+                                        </p:tgtEl>
+                                      </p:cBhvr>
+                                    </p:animEffect>
+                                  </p:childTnLst>
+                                </p:cTn>
+                              </p:par>
+                            </p:childTnLst>
+                          </p:cTn>
+                        </p:par>
+                      </p:childTnLst>
+                    </p:cTn>
+                  </p:par>
+                  <p:par>
+                    <p:cTn id="33" fill="hold">
+                      <p:stCondLst>
+                        <p:cond delay="indefinite"/>
+                      </p:stCondLst>
+                      <p:childTnLst>
+                        <p:par>
+                          <p:cTn id="34" fill="hold">
+                            <p:stCondLst>
+                              <p:cond delay="0"/>
+                            </p:stCondLst>
+                            <p:childTnLst>
+                              <p:par>
+                                <p:cTn id="35" presetID="10" presetClass="entr" presetSubtype="0" fill="hold" grpId="0" nodeType="clickEffect">
+                                  <p:stCondLst>
+                                    <p:cond delay="0"/>
+                                  </p:stCondLst>
+                                  <p:childTnLst>
+                                    <p:set>
+                                      <p:cBhvr>
+                                        <p:cTn id="36" dur="1" fill="hold">
+                                          <p:stCondLst>
+                                            <p:cond delay="0"/>
+                                          </p:stCondLst>
+                                        </p:cTn>
+                                        <p:tgtEl>
+                                          <p:spTgt spid="3">
+                                            <p:txEl>
+                                              <p:pRg st="6" end="6"/>
+                                            </p:txEl>
+                                          </p:spTgt>
+                                        </p:tgtEl>
+                                        <p:attrNameLst>
+                                          <p:attrName>style.visibility</p:attrName>
+                                        </p:attrNameLst>
+                                      </p:cBhvr>
+                                      <p:to>
+                                        <p:strVal val="visible"/>
+                                      </p:to>
+                                    </p:set>
+                                    <p:animEffect transition="in" filter="fade">
+                                      <p:cBhvr>
+                                        <p:cTn id="37" dur="500"/>
+                                        <p:tgtEl>
+                                          <p:spTgt spid="3">
+                                            <p:txEl>
+                                              <p:pRg st="6" end="6"/>
+                                            </p:txEl>
+                                          </p:spTgt>
+                                        </p:tgtEl>
+                                      </p:cBhvr>
+                                    </p:animEffect>
+                                  </p:childTnLst>
+                                </p:cTn>
+                              </p:par>
+                            </p:childTnLst>
+                          </p:cTn>
+                        </p:par>
+                      </p:childTnLst>
+                    </p:cTn>
+                  </p:par>
+                </p:childTnLst>
+              </p:cTn>
+              <p:prevCondLst>
+                <p:cond evt="onPrev" delay="0">
+                  <p:tgtEl>
+                    <p:sldTgt/>
+                  </p:tgtEl>
+                </p:cond>
+              </p:prevCondLst>
+              <p:nextCondLst>
+                <p:cond evt="onNext" delay="0">
+                  <p:tgtEl>
+                    <p:sldTgt/>
+                  </p:tgtEl>
+                </p:cond>
+              </p:nextCondLst>
+            </p:seq>
+          </p:childTnLst>
+        </p:cTn>
+      </p:par>
+    </p:tnLst>
+    <p:bldLst>
+      <p:bldP spid="3" grpId="0" uiExpand="1" build="p"/>
+    </p:bldLst>
+  </p:timing>
 </p:sld>
 </file>
 
@@ -4249,7 +7230,7 @@
     </a:clrScheme>
     <a:fontScheme name="Office 主题">
       <a:majorFont>
-        <a:latin typeface="Calibri Light" panose="020F0302020204030204"/>
+        <a:latin typeface="Calibri Light"/>
         <a:ea typeface=""/>
         <a:cs typeface=""/>
         <a:font script="Jpan" typeface="ＭＳ Ｐゴシック"/>
@@ -4284,7 +7265,7 @@
         <a:font script="Geor" typeface="Sylfaen"/>
       </a:majorFont>
       <a:minorFont>
-        <a:latin typeface="Calibri" panose="020F0502020204030204"/>
+        <a:latin typeface="Calibri"/>
         <a:ea typeface=""/>
         <a:cs typeface=""/>
         <a:font script="Jpan" typeface="ＭＳ Ｐゴシック"/>
@@ -4461,7 +7442,7 @@
   <a:extraClrSchemeLst/>
   <a:extLst>
     <a:ext uri="{05A4C25C-085E-4340-85A3-A5531E510DB2}">
-      <thm15:themeFamily xmlns:thm15="http://schemas.microsoft.com/office/thememl/2012/main" name="Office Theme" id="{62F939B6-93AF-4DB8-9C6B-D6C7DFDC589F}" vid="{4A3C46E8-61CC-4603-A589-7422A47A8E4A}"/>
+      <thm15:themeFamily xmlns:thm15="http://schemas.microsoft.com/office/thememl/2012/main" xmlns="" name="Office Theme" id="{62F939B6-93AF-4DB8-9C6B-D6C7DFDC589F}" vid="{4A3C46E8-61CC-4603-A589-7422A47A8E4A}"/>
     </a:ext>
   </a:extLst>
 </a:theme>
